--- a/Final_Project/FP_3/Classifying Medical Documents.pptx
+++ b/Final_Project/FP_3/Classifying Medical Documents.pptx
@@ -13,6 +13,7 @@
     <p:sldId id="261" r:id="rId7"/>
     <p:sldId id="263" r:id="rId8"/>
     <p:sldId id="262" r:id="rId9"/>
+    <p:sldId id="264" r:id="rId10"/>
   </p:sldIdLst>
   <p:sldSz cx="12192000" cy="6858000"/>
   <p:notesSz cx="6858000" cy="9144000"/>
@@ -5661,8 +5662,12 @@
               <a:buAutoNum type="arabicPeriod"/>
             </a:pPr>
             <a:r>
-              <a:rPr lang="en-US" sz="1400" dirty="0" smtClean="0"/>
-              <a:t>release forms</a:t>
+              <a:rPr lang="en-US" sz="1500" dirty="0"/>
+              <a:t>m</a:t>
+            </a:r>
+            <a:r>
+              <a:rPr lang="en-US" sz="1500" dirty="0" smtClean="0"/>
+              <a:t>edical release forms</a:t>
             </a:r>
           </a:p>
           <a:p>
@@ -5671,15 +5676,15 @@
               <a:buAutoNum type="arabicPeriod"/>
             </a:pPr>
             <a:r>
-              <a:rPr lang="en-US" sz="1400" dirty="0" smtClean="0"/>
+              <a:rPr lang="en-US" sz="1500" dirty="0" smtClean="0"/>
               <a:t>informed </a:t>
             </a:r>
             <a:r>
-              <a:rPr lang="en-US" sz="1400" dirty="0"/>
+              <a:rPr lang="en-US" sz="1500" dirty="0"/>
               <a:t>consent </a:t>
             </a:r>
             <a:r>
-              <a:rPr lang="en-US" sz="1400" dirty="0" smtClean="0"/>
+              <a:rPr lang="en-US" sz="1500" dirty="0" smtClean="0"/>
               <a:t>forms</a:t>
             </a:r>
           </a:p>
@@ -5689,14 +5694,14 @@
               <a:buAutoNum type="arabicPeriod"/>
             </a:pPr>
             <a:r>
-              <a:rPr lang="en-US" sz="1400" dirty="0" smtClean="0"/>
+              <a:rPr lang="en-US" sz="1500" dirty="0" smtClean="0"/>
               <a:t>patient </a:t>
             </a:r>
             <a:r>
-              <a:rPr lang="en-US" sz="1400" dirty="0"/>
+              <a:rPr lang="en-US" sz="1500" dirty="0"/>
               <a:t>intake forms </a:t>
             </a:r>
-            <a:endParaRPr lang="en-US" sz="1400" dirty="0" smtClean="0"/>
+            <a:endParaRPr lang="en-US" sz="1500" dirty="0" smtClean="0"/>
           </a:p>
           <a:p>
             <a:pPr marL="800100" lvl="1" indent="-342900">
@@ -5704,23 +5709,23 @@
               <a:buAutoNum type="arabicPeriod"/>
             </a:pPr>
             <a:r>
-              <a:rPr lang="en-US" sz="1400" dirty="0" smtClean="0"/>
+              <a:rPr lang="en-US" sz="1500" dirty="0" smtClean="0"/>
               <a:t>"</a:t>
             </a:r>
             <a:r>
-              <a:rPr lang="en-US" sz="1400" dirty="0"/>
+              <a:rPr lang="en-US" sz="1500" dirty="0"/>
               <a:t>catch all" bucket for other </a:t>
             </a:r>
             <a:r>
-              <a:rPr lang="en-US" sz="1400" dirty="0" smtClean="0"/>
+              <a:rPr lang="en-US" sz="1500" dirty="0" smtClean="0"/>
               <a:t>general medical </a:t>
             </a:r>
             <a:r>
-              <a:rPr lang="en-US" sz="1400" dirty="0"/>
+              <a:rPr lang="en-US" sz="1500" dirty="0"/>
               <a:t>forms that do not fit those 3 </a:t>
             </a:r>
             <a:r>
-              <a:rPr lang="en-US" sz="1400" dirty="0" smtClean="0"/>
+              <a:rPr lang="en-US" sz="1500" dirty="0" smtClean="0"/>
               <a:t>types</a:t>
             </a:r>
           </a:p>
@@ -5756,7 +5761,7 @@
         </p:nvSpPr>
         <p:spPr>
           <a:xfrm>
-            <a:off x="8190963" y="4662152"/>
+            <a:off x="8521163" y="4662152"/>
             <a:ext cx="334851" cy="1146220"/>
           </a:xfrm>
           <a:prstGeom prst="rightBrace">
@@ -5794,8 +5799,8 @@
         </p:nvSpPr>
         <p:spPr>
           <a:xfrm>
-            <a:off x="8525814" y="5065985"/>
-            <a:ext cx="3657600" cy="338554"/>
+            <a:off x="8856014" y="5065985"/>
+            <a:ext cx="3657600" cy="323165"/>
           </a:xfrm>
           <a:prstGeom prst="rect">
             <a:avLst/>
@@ -5809,14 +5814,14 @@
           <a:lstStyle/>
           <a:p>
             <a:r>
-              <a:rPr lang="en-US" sz="1600" dirty="0" smtClean="0">
+              <a:rPr lang="en-US" sz="1500" dirty="0" smtClean="0">
                 <a:solidFill>
                   <a:schemeClr val="accent1"/>
                 </a:solidFill>
               </a:rPr>
               <a:t>Target variable = document type</a:t>
             </a:r>
-            <a:endParaRPr lang="en-US" sz="1600" dirty="0">
+            <a:endParaRPr lang="en-US" sz="1500" dirty="0">
               <a:solidFill>
                 <a:schemeClr val="accent1"/>
               </a:solidFill>
@@ -7996,7 +8001,7 @@
                   <a:schemeClr val="accent1"/>
                 </a:solidFill>
               </a:rPr>
-              <a:t> class with probability thresholds, but didn’t perform as well as others below</a:t>
+              <a:t> class with probability thresholds, but didn’t perform as well as other algorithms below</a:t>
             </a:r>
             <a:endParaRPr lang="en-US" sz="1400" dirty="0">
               <a:solidFill>
@@ -8173,19 +8178,11 @@
               <a:buChar char="•"/>
             </a:pPr>
             <a:r>
-              <a:rPr lang="en-US" sz="1400" dirty="0">
-                <a:solidFill>
-                  <a:schemeClr val="accent1"/>
-                </a:solidFill>
-              </a:rPr>
+              <a:rPr lang="en-US" sz="1400" dirty="0"/>
               <a:t>Split data into 75% train, 25% </a:t>
             </a:r>
             <a:r>
-              <a:rPr lang="en-US" sz="1400" dirty="0" smtClean="0">
-                <a:solidFill>
-                  <a:schemeClr val="accent1"/>
-                </a:solidFill>
-              </a:rPr>
+              <a:rPr lang="en-US" sz="1400" dirty="0" smtClean="0"/>
               <a:t>test</a:t>
             </a:r>
           </a:p>
@@ -8195,51 +8192,27 @@
               <a:buChar char="•"/>
             </a:pPr>
             <a:r>
-              <a:rPr lang="en-US" sz="1400" dirty="0" smtClean="0">
-                <a:solidFill>
-                  <a:schemeClr val="accent1"/>
-                </a:solidFill>
-              </a:rPr>
+              <a:rPr lang="en-US" sz="1400" dirty="0" smtClean="0"/>
               <a:t>Used </a:t>
             </a:r>
             <a:r>
-              <a:rPr lang="en-US" sz="1400" u="sng" dirty="0" err="1">
-                <a:solidFill>
-                  <a:schemeClr val="accent1"/>
-                </a:solidFill>
-              </a:rPr>
+              <a:rPr lang="en-US" sz="1400" u="sng" dirty="0" err="1"/>
               <a:t>Tf-Idf</a:t>
             </a:r>
             <a:r>
-              <a:rPr lang="en-US" sz="1400" dirty="0">
-                <a:solidFill>
-                  <a:schemeClr val="accent1"/>
-                </a:solidFill>
-              </a:rPr>
+              <a:rPr lang="en-US" sz="1400" dirty="0"/>
               <a:t> matrix (Just </a:t>
             </a:r>
             <a:r>
-              <a:rPr lang="en-US" sz="1400" dirty="0" err="1">
-                <a:solidFill>
-                  <a:schemeClr val="accent1"/>
-                </a:solidFill>
-              </a:rPr>
+              <a:rPr lang="en-US" sz="1400" dirty="0" err="1"/>
               <a:t>Tf</a:t>
             </a:r>
             <a:r>
-              <a:rPr lang="en-US" sz="1400" dirty="0">
-                <a:solidFill>
-                  <a:schemeClr val="accent1"/>
-                </a:solidFill>
-              </a:rPr>
+              <a:rPr lang="en-US" sz="1400" dirty="0"/>
               <a:t> performed similarly</a:t>
             </a:r>
             <a:r>
-              <a:rPr lang="en-US" sz="1400" dirty="0" smtClean="0">
-                <a:solidFill>
-                  <a:schemeClr val="accent1"/>
-                </a:solidFill>
-              </a:rPr>
+              <a:rPr lang="en-US" sz="1400" dirty="0" smtClean="0"/>
               <a:t>)</a:t>
             </a:r>
           </a:p>
@@ -8249,18 +8222,10 @@
               <a:buChar char="•"/>
             </a:pPr>
             <a:r>
-              <a:rPr lang="en-US" sz="1400" dirty="0" smtClean="0">
-                <a:solidFill>
-                  <a:schemeClr val="accent1"/>
-                </a:solidFill>
-              </a:rPr>
+              <a:rPr lang="en-US" sz="1400" dirty="0" smtClean="0"/>
               <a:t>Also tried using stems, but performed similarly/slightly worse in all cases</a:t>
             </a:r>
-            <a:endParaRPr lang="en-US" sz="1400" dirty="0">
-              <a:solidFill>
-                <a:schemeClr val="accent1"/>
-              </a:solidFill>
-            </a:endParaRPr>
+            <a:endParaRPr lang="en-US" sz="1400" dirty="0"/>
           </a:p>
         </p:txBody>
       </p:sp>
@@ -8273,7 +8238,7 @@
           <p:nvPr>
             <p:extLst>
               <p:ext uri="{D42A27DB-BD31-4B8C-83A1-F6EECF244321}">
-                <p14:modId xmlns:p14="http://schemas.microsoft.com/office/powerpoint/2010/main" val="4001747346"/>
+                <p14:modId xmlns:p14="http://schemas.microsoft.com/office/powerpoint/2010/main" val="3618912112"/>
               </p:ext>
             </p:extLst>
           </p:nvPr>
@@ -8437,7 +8402,7 @@
                             </a:schemeClr>
                           </a:solidFill>
                         </a:rPr>
-                        <a:t> 10 (??), </a:t>
+                        <a:t> 10 (!), </a:t>
                       </a:r>
                       <a:r>
                         <a:rPr lang="en-US" sz="1200" b="0" dirty="0" smtClean="0">
@@ -8507,7 +8472,7 @@
                             </a:schemeClr>
                           </a:solidFill>
                         </a:rPr>
-                        <a:t>leaf/split = 3, max depth= None,   criterion</a:t>
+                        <a:t>leaf/split = 3, max depth=None,   criterion</a:t>
                       </a:r>
                       <a:r>
                         <a:rPr lang="en-US" sz="1200" b="0" baseline="0" dirty="0" smtClean="0">
@@ -8783,7 +8748,7 @@
                   <a:schemeClr val="accent1"/>
                 </a:solidFill>
               </a:rPr>
-              <a:t> – Performed slightly better on Document Level Data, worse on average</a:t>
+              <a:t> – Performed slightly better on Document Level data, worse on average</a:t>
             </a:r>
           </a:p>
           <a:p>
@@ -16362,7 +16327,7 @@
         </p:nvSpPr>
         <p:spPr>
           <a:xfrm>
-            <a:off x="603938" y="112337"/>
+            <a:off x="603938" y="277437"/>
             <a:ext cx="10571998" cy="647516"/>
           </a:xfrm>
           <a:prstGeom prst="rect">
@@ -16465,7 +16430,7 @@
         </p:nvSpPr>
         <p:spPr>
           <a:xfrm>
-            <a:off x="937815" y="1401819"/>
+            <a:off x="937815" y="3789419"/>
             <a:ext cx="2440547" cy="292388"/>
           </a:xfrm>
           <a:prstGeom prst="rect">
@@ -16497,13 +16462,13 @@
           <p:nvPr>
             <p:extLst>
               <p:ext uri="{D42A27DB-BD31-4B8C-83A1-F6EECF244321}">
-                <p14:modId xmlns:p14="http://schemas.microsoft.com/office/powerpoint/2010/main" val="2271675511"/>
+                <p14:modId xmlns:p14="http://schemas.microsoft.com/office/powerpoint/2010/main" val="2128882559"/>
               </p:ext>
             </p:extLst>
           </p:nvPr>
         </p:nvGraphicFramePr>
         <p:xfrm>
-          <a:off x="1030504" y="1747790"/>
+          <a:off x="1030504" y="4135390"/>
           <a:ext cx="2255171" cy="1566015"/>
         </p:xfrm>
         <a:graphic>
@@ -16892,7 +16857,7 @@
                             <a:schemeClr val="tx1"/>
                           </a:solidFill>
                         </a:rPr>
-                        <a:t>69</a:t>
+                        <a:t>56</a:t>
                       </a:r>
                       <a:endParaRPr lang="en-US" sz="1400" dirty="0">
                         <a:solidFill>
@@ -17014,7 +16979,7 @@
                             <a:schemeClr val="tx1"/>
                           </a:solidFill>
                         </a:rPr>
-                        <a:t>0</a:t>
+                        <a:t>2</a:t>
                       </a:r>
                       <a:endParaRPr lang="en-US" sz="1400" dirty="0">
                         <a:solidFill>
@@ -17072,14 +17037,18 @@
                       <a:r>
                         <a:rPr lang="en-US" sz="1400" dirty="0" smtClean="0">
                           <a:solidFill>
-                            <a:schemeClr val="tx1"/>
+                            <a:schemeClr val="accent5">
+                              <a:lumMod val="75000"/>
+                            </a:schemeClr>
                           </a:solidFill>
                         </a:rPr>
-                        <a:t>0</a:t>
+                        <a:t>11</a:t>
                       </a:r>
                       <a:endParaRPr lang="en-US" sz="1400" dirty="0">
                         <a:solidFill>
-                          <a:schemeClr val="tx1"/>
+                          <a:schemeClr val="accent5">
+                            <a:lumMod val="75000"/>
+                          </a:schemeClr>
                         </a:solidFill>
                       </a:endParaRPr>
                     </a:p>
@@ -17199,7 +17168,7 @@
                             <a:schemeClr val="tx1"/>
                           </a:solidFill>
                         </a:rPr>
-                        <a:t>2</a:t>
+                        <a:t>3</a:t>
                       </a:r>
                       <a:endParaRPr lang="en-US" sz="1400" dirty="0">
                         <a:solidFill>
@@ -17260,7 +17229,7 @@
                             <a:schemeClr val="tx1"/>
                           </a:solidFill>
                         </a:rPr>
-                        <a:t>69</a:t>
+                        <a:t>58</a:t>
                       </a:r>
                       <a:endParaRPr lang="en-US" sz="1400" dirty="0">
                         <a:solidFill>
@@ -17321,7 +17290,7 @@
                             <a:schemeClr val="tx1"/>
                           </a:solidFill>
                         </a:rPr>
-                        <a:t>5</a:t>
+                        <a:t>3</a:t>
                       </a:r>
                       <a:endParaRPr lang="en-US" sz="1400" dirty="0">
                         <a:solidFill>
@@ -17379,14 +17348,18 @@
                       <a:r>
                         <a:rPr lang="en-US" sz="1400" dirty="0" smtClean="0">
                           <a:solidFill>
-                            <a:schemeClr val="tx1"/>
+                            <a:schemeClr val="accent5">
+                              <a:lumMod val="75000"/>
+                            </a:schemeClr>
                           </a:solidFill>
                         </a:rPr>
-                        <a:t>0</a:t>
+                        <a:t>12</a:t>
                       </a:r>
                       <a:endParaRPr lang="en-US" sz="1400" dirty="0">
                         <a:solidFill>
-                          <a:schemeClr val="tx1"/>
+                          <a:schemeClr val="accent5">
+                            <a:lumMod val="75000"/>
+                          </a:schemeClr>
                         </a:solidFill>
                       </a:endParaRPr>
                     </a:p>
@@ -17506,7 +17479,7 @@
                             <a:schemeClr val="tx1"/>
                           </a:solidFill>
                         </a:rPr>
-                        <a:t>2</a:t>
+                        <a:t>0</a:t>
                       </a:r>
                       <a:endParaRPr lang="en-US" sz="1400" dirty="0">
                         <a:solidFill>
@@ -17628,7 +17601,7 @@
                             <a:schemeClr val="tx1"/>
                           </a:solidFill>
                         </a:rPr>
-                        <a:t>68</a:t>
+                        <a:t>56</a:t>
                       </a:r>
                       <a:endParaRPr lang="en-US" sz="1400" dirty="0">
                         <a:solidFill>
@@ -17686,14 +17659,18 @@
                       <a:r>
                         <a:rPr lang="en-US" sz="1400" dirty="0" smtClean="0">
                           <a:solidFill>
-                            <a:schemeClr val="tx1"/>
+                            <a:schemeClr val="accent5">
+                              <a:lumMod val="75000"/>
+                            </a:schemeClr>
                           </a:solidFill>
                         </a:rPr>
-                        <a:t>0</a:t>
+                        <a:t>14</a:t>
                       </a:r>
                       <a:endParaRPr lang="en-US" sz="1400" dirty="0">
                         <a:solidFill>
-                          <a:schemeClr val="tx1"/>
+                          <a:schemeClr val="accent5">
+                            <a:lumMod val="75000"/>
+                          </a:schemeClr>
                         </a:solidFill>
                       </a:endParaRPr>
                     </a:p>
@@ -17810,18 +17787,14 @@
                       <a:r>
                         <a:rPr lang="en-US" sz="1400" dirty="0" smtClean="0">
                           <a:solidFill>
-                            <a:schemeClr val="accent5">
-                              <a:lumMod val="75000"/>
-                            </a:schemeClr>
+                            <a:schemeClr val="tx1"/>
                           </a:solidFill>
                         </a:rPr>
-                        <a:t>7</a:t>
+                        <a:t>3</a:t>
                       </a:r>
                       <a:endParaRPr lang="en-US" sz="1400" dirty="0">
                         <a:solidFill>
-                          <a:schemeClr val="accent5">
-                            <a:lumMod val="75000"/>
-                          </a:schemeClr>
+                          <a:schemeClr val="tx1"/>
                         </a:solidFill>
                       </a:endParaRPr>
                     </a:p>
@@ -17875,18 +17848,14 @@
                       <a:r>
                         <a:rPr lang="en-US" sz="1400" dirty="0" smtClean="0">
                           <a:solidFill>
-                            <a:schemeClr val="accent5">
-                              <a:lumMod val="75000"/>
-                            </a:schemeClr>
+                            <a:schemeClr val="tx1"/>
                           </a:solidFill>
                         </a:rPr>
                         <a:t>3</a:t>
                       </a:r>
                       <a:endParaRPr lang="en-US" sz="1400" dirty="0">
                         <a:solidFill>
-                          <a:schemeClr val="accent5">
-                            <a:lumMod val="75000"/>
-                          </a:schemeClr>
+                          <a:schemeClr val="tx1"/>
                         </a:solidFill>
                       </a:endParaRPr>
                     </a:p>
@@ -17940,18 +17909,14 @@
                       <a:r>
                         <a:rPr lang="en-US" sz="1400" dirty="0" smtClean="0">
                           <a:solidFill>
-                            <a:schemeClr val="accent5">
-                              <a:lumMod val="75000"/>
-                            </a:schemeClr>
+                            <a:schemeClr val="tx1"/>
                           </a:solidFill>
                         </a:rPr>
-                        <a:t>9</a:t>
+                        <a:t>3</a:t>
                       </a:r>
                       <a:endParaRPr lang="en-US" sz="1400" dirty="0">
                         <a:solidFill>
-                          <a:schemeClr val="accent5">
-                            <a:lumMod val="75000"/>
-                          </a:schemeClr>
+                          <a:schemeClr val="tx1"/>
                         </a:solidFill>
                       </a:endParaRPr>
                     </a:p>
@@ -18010,7 +17975,7 @@
                             </a:schemeClr>
                           </a:solidFill>
                         </a:rPr>
-                        <a:t>0</a:t>
+                        <a:t>10</a:t>
                       </a:r>
                       <a:endParaRPr lang="en-US" sz="1400" dirty="0">
                         <a:solidFill>
@@ -18068,13 +18033,205 @@
       </p:graphicFrame>
       <p:sp>
         <p:nvSpPr>
-          <p:cNvPr id="5" name="TextBox 4"/>
+          <p:cNvPr id="7" name="TextBox 6"/>
+          <p:cNvSpPr txBox="1"/>
+          <p:nvPr/>
+        </p:nvSpPr>
+        <p:spPr>
+          <a:xfrm rot="16200000">
+            <a:off x="-374875" y="4659059"/>
+            <a:ext cx="2287824" cy="307777"/>
+          </a:xfrm>
+          <a:prstGeom prst="rect">
+            <a:avLst/>
+          </a:prstGeom>
+          <a:noFill/>
+        </p:spPr>
+        <p:txBody>
+          <a:bodyPr wrap="square" rtlCol="0">
+            <a:spAutoFit/>
+          </a:bodyPr>
+          <a:lstStyle/>
+          <a:p>
+            <a:pPr algn="ctr"/>
+            <a:r>
+              <a:rPr lang="en-US" sz="1400" b="1" dirty="0" smtClean="0">
+                <a:solidFill>
+                  <a:schemeClr val="accent4"/>
+                </a:solidFill>
+              </a:rPr>
+              <a:t>DOCUMENT LEVEL DATA</a:t>
+            </a:r>
+            <a:endParaRPr lang="en-US" sz="1400" b="1" dirty="0">
+              <a:solidFill>
+                <a:schemeClr val="accent4"/>
+              </a:solidFill>
+            </a:endParaRPr>
+          </a:p>
+        </p:txBody>
+      </p:sp>
+      <p:sp>
+        <p:nvSpPr>
+          <p:cNvPr id="9" name="TextBox 8"/>
+          <p:cNvSpPr txBox="1"/>
+          <p:nvPr/>
+        </p:nvSpPr>
+        <p:spPr>
+          <a:xfrm rot="16200000">
+            <a:off x="5049632" y="4659060"/>
+            <a:ext cx="2287824" cy="307777"/>
+          </a:xfrm>
+          <a:prstGeom prst="rect">
+            <a:avLst/>
+          </a:prstGeom>
+          <a:noFill/>
+        </p:spPr>
+        <p:txBody>
+          <a:bodyPr wrap="square" rtlCol="0">
+            <a:spAutoFit/>
+          </a:bodyPr>
+          <a:lstStyle/>
+          <a:p>
+            <a:pPr algn="ctr"/>
+            <a:r>
+              <a:rPr lang="en-US" sz="1400" b="1" dirty="0" smtClean="0">
+                <a:solidFill>
+                  <a:schemeClr val="accent4"/>
+                </a:solidFill>
+              </a:rPr>
+              <a:t>PAGE LEVEL DATA</a:t>
+            </a:r>
+            <a:endParaRPr lang="en-US" sz="1400" b="1" dirty="0">
+              <a:solidFill>
+                <a:schemeClr val="accent4"/>
+              </a:solidFill>
+            </a:endParaRPr>
+          </a:p>
+        </p:txBody>
+      </p:sp>
+      <p:sp>
+        <p:nvSpPr>
+          <p:cNvPr id="11" name="TextBox 10"/>
           <p:cNvSpPr txBox="1"/>
           <p:nvPr/>
         </p:nvSpPr>
         <p:spPr>
           <a:xfrm>
-            <a:off x="937815" y="4261711"/>
+            <a:off x="3259821" y="3712145"/>
+            <a:ext cx="2440547" cy="553998"/>
+          </a:xfrm>
+          <a:prstGeom prst="rect">
+            <a:avLst/>
+          </a:prstGeom>
+          <a:noFill/>
+        </p:spPr>
+        <p:txBody>
+          <a:bodyPr wrap="square" rtlCol="0">
+            <a:spAutoFit/>
+          </a:bodyPr>
+          <a:lstStyle/>
+          <a:p>
+            <a:pPr algn="ctr"/>
+            <a:r>
+              <a:rPr lang="en-US" sz="1500" u="sng" dirty="0" smtClean="0"/>
+              <a:t>Accuracy</a:t>
+            </a:r>
+          </a:p>
+          <a:p>
+            <a:pPr algn="ctr"/>
+            <a:r>
+              <a:rPr lang="en-US" sz="1500" dirty="0" smtClean="0"/>
+              <a:t>75.6%</a:t>
+            </a:r>
+            <a:endParaRPr lang="en-US" sz="1500" dirty="0"/>
+          </a:p>
+        </p:txBody>
+      </p:sp>
+      <p:sp>
+        <p:nvSpPr>
+          <p:cNvPr id="12" name="TextBox 11"/>
+          <p:cNvSpPr txBox="1"/>
+          <p:nvPr/>
+        </p:nvSpPr>
+        <p:spPr>
+          <a:xfrm>
+            <a:off x="3259821" y="4304488"/>
+            <a:ext cx="2440547" cy="553998"/>
+          </a:xfrm>
+          <a:prstGeom prst="rect">
+            <a:avLst/>
+          </a:prstGeom>
+          <a:noFill/>
+        </p:spPr>
+        <p:txBody>
+          <a:bodyPr wrap="square" rtlCol="0">
+            <a:spAutoFit/>
+          </a:bodyPr>
+          <a:lstStyle/>
+          <a:p>
+            <a:pPr algn="ctr"/>
+            <a:r>
+              <a:rPr lang="en-US" sz="1500" u="sng" dirty="0" smtClean="0"/>
+              <a:t>Precision</a:t>
+            </a:r>
+          </a:p>
+          <a:p>
+            <a:pPr algn="ctr"/>
+            <a:r>
+              <a:rPr lang="en-US" sz="1500" dirty="0" smtClean="0"/>
+              <a:t>84%</a:t>
+            </a:r>
+            <a:endParaRPr lang="en-US" sz="1500" dirty="0"/>
+          </a:p>
+        </p:txBody>
+      </p:sp>
+      <p:sp>
+        <p:nvSpPr>
+          <p:cNvPr id="13" name="TextBox 12"/>
+          <p:cNvSpPr txBox="1"/>
+          <p:nvPr/>
+        </p:nvSpPr>
+        <p:spPr>
+          <a:xfrm>
+            <a:off x="3259821" y="4922231"/>
+            <a:ext cx="2440547" cy="553998"/>
+          </a:xfrm>
+          <a:prstGeom prst="rect">
+            <a:avLst/>
+          </a:prstGeom>
+          <a:noFill/>
+        </p:spPr>
+        <p:txBody>
+          <a:bodyPr wrap="square" rtlCol="0">
+            <a:spAutoFit/>
+          </a:bodyPr>
+          <a:lstStyle/>
+          <a:p>
+            <a:pPr algn="ctr"/>
+            <a:r>
+              <a:rPr lang="en-US" sz="1500" u="sng" dirty="0" smtClean="0"/>
+              <a:t>Recall</a:t>
+            </a:r>
+          </a:p>
+          <a:p>
+            <a:pPr algn="ctr"/>
+            <a:r>
+              <a:rPr lang="en-US" sz="1500" dirty="0" smtClean="0"/>
+              <a:t>76%</a:t>
+            </a:r>
+            <a:endParaRPr lang="en-US" sz="1500" dirty="0"/>
+          </a:p>
+        </p:txBody>
+      </p:sp>
+      <p:sp>
+        <p:nvSpPr>
+          <p:cNvPr id="14" name="TextBox 13"/>
+          <p:cNvSpPr txBox="1"/>
+          <p:nvPr/>
+        </p:nvSpPr>
+        <p:spPr>
+          <a:xfrm>
+            <a:off x="6382841" y="3789419"/>
             <a:ext cx="2440547" cy="292388"/>
           </a:xfrm>
           <a:prstGeom prst="rect">
@@ -18099,20 +18256,20 @@
       </p:sp>
       <p:graphicFrame>
         <p:nvGraphicFramePr>
-          <p:cNvPr id="6" name="Table 5"/>
+          <p:cNvPr id="15" name="Table 14"/>
           <p:cNvGraphicFramePr>
             <a:graphicFrameLocks noGrp="1"/>
           </p:cNvGraphicFramePr>
           <p:nvPr>
             <p:extLst>
               <p:ext uri="{D42A27DB-BD31-4B8C-83A1-F6EECF244321}">
-                <p14:modId xmlns:p14="http://schemas.microsoft.com/office/powerpoint/2010/main" val="3749117294"/>
+                <p14:modId xmlns:p14="http://schemas.microsoft.com/office/powerpoint/2010/main" val="1563475928"/>
               </p:ext>
             </p:extLst>
           </p:nvPr>
         </p:nvGraphicFramePr>
         <p:xfrm>
-          <a:off x="1030504" y="4607682"/>
+          <a:off x="6475530" y="4135390"/>
           <a:ext cx="2255171" cy="1566015"/>
         </p:xfrm>
         <a:graphic>
@@ -18501,7 +18658,7 @@
                             <a:schemeClr val="tx1"/>
                           </a:solidFill>
                         </a:rPr>
-                        <a:t>65</a:t>
+                        <a:t>113</a:t>
                       </a:r>
                       <a:endParaRPr lang="en-US" sz="1400" dirty="0">
                         <a:solidFill>
@@ -18562,7 +18719,7 @@
                             <a:schemeClr val="tx1"/>
                           </a:solidFill>
                         </a:rPr>
-                        <a:t>0</a:t>
+                        <a:t>30</a:t>
                       </a:r>
                       <a:endParaRPr lang="en-US" sz="1400" dirty="0">
                         <a:solidFill>
@@ -18623,7 +18780,7 @@
                             <a:schemeClr val="tx1"/>
                           </a:solidFill>
                         </a:rPr>
-                        <a:t>0</a:t>
+                        <a:t>10</a:t>
                       </a:r>
                       <a:endParaRPr lang="en-US" sz="1400" dirty="0">
                         <a:solidFill>
@@ -18684,7 +18841,7 @@
                             <a:schemeClr val="tx1"/>
                           </a:solidFill>
                         </a:rPr>
-                        <a:t>5</a:t>
+                        <a:t>1</a:t>
                       </a:r>
                       <a:endParaRPr lang="en-US" sz="1400" dirty="0">
                         <a:solidFill>
@@ -18805,14 +18962,18 @@
                       <a:r>
                         <a:rPr lang="en-US" sz="1400" dirty="0" smtClean="0">
                           <a:solidFill>
-                            <a:schemeClr val="tx1"/>
+                            <a:schemeClr val="accent5">
+                              <a:lumMod val="75000"/>
+                            </a:schemeClr>
                           </a:solidFill>
                         </a:rPr>
-                        <a:t>0</a:t>
+                        <a:t>53</a:t>
                       </a:r>
                       <a:endParaRPr lang="en-US" sz="1400" dirty="0">
                         <a:solidFill>
-                          <a:schemeClr val="tx1"/>
+                          <a:schemeClr val="accent5">
+                            <a:lumMod val="75000"/>
+                          </a:schemeClr>
                         </a:solidFill>
                       </a:endParaRPr>
                     </a:p>
@@ -18869,7 +19030,7 @@
                             <a:schemeClr val="tx1"/>
                           </a:solidFill>
                         </a:rPr>
-                        <a:t>72</a:t>
+                        <a:t>311</a:t>
                       </a:r>
                       <a:endParaRPr lang="en-US" sz="1400" dirty="0">
                         <a:solidFill>
@@ -18991,7 +19152,7 @@
                             <a:schemeClr val="tx1"/>
                           </a:solidFill>
                         </a:rPr>
-                        <a:t>0</a:t>
+                        <a:t>3</a:t>
                       </a:r>
                       <a:endParaRPr lang="en-US" sz="1400" dirty="0">
                         <a:solidFill>
@@ -19112,14 +19273,18 @@
                       <a:r>
                         <a:rPr lang="en-US" sz="1400" dirty="0" smtClean="0">
                           <a:solidFill>
-                            <a:schemeClr val="tx1"/>
+                            <a:schemeClr val="accent5">
+                              <a:lumMod val="75000"/>
+                            </a:schemeClr>
                           </a:solidFill>
                         </a:rPr>
-                        <a:t>0</a:t>
+                        <a:t>73</a:t>
                       </a:r>
                       <a:endParaRPr lang="en-US" sz="1400" dirty="0">
                         <a:solidFill>
-                          <a:schemeClr val="tx1"/>
+                          <a:schemeClr val="accent5">
+                            <a:lumMod val="75000"/>
+                          </a:schemeClr>
                         </a:solidFill>
                       </a:endParaRPr>
                     </a:p>
@@ -19176,7 +19341,7 @@
                             <a:schemeClr val="tx1"/>
                           </a:solidFill>
                         </a:rPr>
-                        <a:t>3</a:t>
+                        <a:t>10</a:t>
                       </a:r>
                       <a:endParaRPr lang="en-US" sz="1400" dirty="0">
                         <a:solidFill>
@@ -19237,7 +19402,7 @@
                             <a:schemeClr val="tx1"/>
                           </a:solidFill>
                         </a:rPr>
-                        <a:t>69</a:t>
+                        <a:t>257</a:t>
                       </a:r>
                       <a:endParaRPr lang="en-US" sz="1400" dirty="0">
                         <a:solidFill>
@@ -19298,7 +19463,7 @@
                             <a:schemeClr val="tx1"/>
                           </a:solidFill>
                         </a:rPr>
-                        <a:t>1</a:t>
+                        <a:t>0</a:t>
                       </a:r>
                       <a:endParaRPr lang="en-US" sz="1400" dirty="0">
                         <a:solidFill>
@@ -19419,14 +19584,18 @@
                       <a:r>
                         <a:rPr lang="en-US" sz="1400" dirty="0" smtClean="0">
                           <a:solidFill>
-                            <a:schemeClr val="tx1"/>
+                            <a:schemeClr val="accent5">
+                              <a:lumMod val="75000"/>
+                            </a:schemeClr>
                           </a:solidFill>
                         </a:rPr>
-                        <a:t>1</a:t>
+                        <a:t>22</a:t>
                       </a:r>
                       <a:endParaRPr lang="en-US" sz="1400" dirty="0">
                         <a:solidFill>
-                          <a:schemeClr val="tx1"/>
+                          <a:schemeClr val="accent5">
+                            <a:lumMod val="75000"/>
+                          </a:schemeClr>
                         </a:solidFill>
                       </a:endParaRPr>
                     </a:p>
@@ -19480,14 +19649,18 @@
                       <a:r>
                         <a:rPr lang="en-US" sz="1400" dirty="0" smtClean="0">
                           <a:solidFill>
-                            <a:schemeClr val="tx1"/>
+                            <a:schemeClr val="accent5">
+                              <a:lumMod val="75000"/>
+                            </a:schemeClr>
                           </a:solidFill>
                         </a:rPr>
-                        <a:t>3</a:t>
+                        <a:t>9</a:t>
                       </a:r>
                       <a:endParaRPr lang="en-US" sz="1400" dirty="0">
                         <a:solidFill>
-                          <a:schemeClr val="tx1"/>
+                          <a:schemeClr val="accent5">
+                            <a:lumMod val="75000"/>
+                          </a:schemeClr>
                         </a:solidFill>
                       </a:endParaRPr>
                     </a:p>
@@ -19541,14 +19714,18 @@
                       <a:r>
                         <a:rPr lang="en-US" sz="1400" dirty="0" smtClean="0">
                           <a:solidFill>
-                            <a:schemeClr val="tx1"/>
+                            <a:schemeClr val="accent5">
+                              <a:lumMod val="75000"/>
+                            </a:schemeClr>
                           </a:solidFill>
                         </a:rPr>
-                        <a:t>2</a:t>
+                        <a:t>9</a:t>
                       </a:r>
                       <a:endParaRPr lang="en-US" sz="1400" dirty="0">
                         <a:solidFill>
-                          <a:schemeClr val="tx1"/>
+                          <a:schemeClr val="accent5">
+                            <a:lumMod val="75000"/>
+                          </a:schemeClr>
                         </a:solidFill>
                       </a:endParaRPr>
                     </a:p>
@@ -19602,3486 +19779,18 @@
                       <a:r>
                         <a:rPr lang="en-US" sz="1400" dirty="0" smtClean="0">
                           <a:solidFill>
-                            <a:schemeClr val="tx1"/>
-                          </a:solidFill>
-                        </a:rPr>
-                        <a:t>13</a:t>
-                      </a:r>
-                      <a:endParaRPr lang="en-US" sz="1400" dirty="0">
-                        <a:solidFill>
-                          <a:schemeClr val="tx1"/>
-                        </a:solidFill>
-                      </a:endParaRPr>
-                    </a:p>
-                  </a:txBody>
-                  <a:tcPr>
-                    <a:lnL w="12700" cap="flat" cmpd="sng" algn="ctr">
-                      <a:solidFill>
-                        <a:schemeClr val="tx1"/>
-                      </a:solidFill>
-                      <a:prstDash val="solid"/>
-                      <a:round/>
-                      <a:headEnd type="none" w="med" len="med"/>
-                      <a:tailEnd type="none" w="med" len="med"/>
-                    </a:lnL>
-                    <a:lnR w="12700" cap="flat" cmpd="sng" algn="ctr">
-                      <a:solidFill>
-                        <a:schemeClr val="tx1"/>
-                      </a:solidFill>
-                      <a:prstDash val="solid"/>
-                      <a:round/>
-                      <a:headEnd type="none" w="med" len="med"/>
-                      <a:tailEnd type="none" w="med" len="med"/>
-                    </a:lnR>
-                    <a:lnT w="12700" cap="flat" cmpd="sng" algn="ctr">
-                      <a:solidFill>
-                        <a:schemeClr val="tx1"/>
-                      </a:solidFill>
-                      <a:prstDash val="solid"/>
-                      <a:round/>
-                      <a:headEnd type="none" w="med" len="med"/>
-                      <a:tailEnd type="none" w="med" len="med"/>
-                    </a:lnT>
-                    <a:lnB w="12700" cap="flat" cmpd="sng" algn="ctr">
-                      <a:solidFill>
-                        <a:schemeClr val="tx1"/>
-                      </a:solidFill>
-                      <a:prstDash val="solid"/>
-                      <a:round/>
-                      <a:headEnd type="none" w="med" len="med"/>
-                      <a:tailEnd type="none" w="med" len="med"/>
-                    </a:lnB>
-                    <a:noFill/>
-                  </a:tcPr>
-                </a:tc>
-              </a:tr>
-            </a:tbl>
-          </a:graphicData>
-        </a:graphic>
-      </p:graphicFrame>
-      <p:sp>
-        <p:nvSpPr>
-          <p:cNvPr id="7" name="TextBox 6"/>
-          <p:cNvSpPr txBox="1"/>
-          <p:nvPr/>
-        </p:nvSpPr>
-        <p:spPr>
-          <a:xfrm rot="16200000">
-            <a:off x="-374875" y="2271459"/>
-            <a:ext cx="2287824" cy="307777"/>
-          </a:xfrm>
-          <a:prstGeom prst="rect">
-            <a:avLst/>
-          </a:prstGeom>
-          <a:noFill/>
-        </p:spPr>
-        <p:txBody>
-          <a:bodyPr wrap="square" rtlCol="0">
-            <a:spAutoFit/>
-          </a:bodyPr>
-          <a:lstStyle/>
-          <a:p>
-            <a:pPr algn="ctr"/>
-            <a:r>
-              <a:rPr lang="en-US" sz="1400" b="1" dirty="0" smtClean="0">
-                <a:solidFill>
-                  <a:schemeClr val="accent4"/>
-                </a:solidFill>
-              </a:rPr>
-              <a:t>DOCUMENT LEVEL DATA</a:t>
-            </a:r>
-            <a:endParaRPr lang="en-US" sz="1400" b="1" dirty="0">
-              <a:solidFill>
-                <a:schemeClr val="accent4"/>
-              </a:solidFill>
-            </a:endParaRPr>
-          </a:p>
-        </p:txBody>
-      </p:sp>
-      <p:sp>
-        <p:nvSpPr>
-          <p:cNvPr id="8" name="TextBox 7"/>
-          <p:cNvSpPr txBox="1"/>
-          <p:nvPr/>
-        </p:nvSpPr>
-        <p:spPr>
-          <a:xfrm rot="16200000">
-            <a:off x="-374875" y="5236801"/>
-            <a:ext cx="2287824" cy="307777"/>
-          </a:xfrm>
-          <a:prstGeom prst="rect">
-            <a:avLst/>
-          </a:prstGeom>
-          <a:noFill/>
-        </p:spPr>
-        <p:txBody>
-          <a:bodyPr wrap="square" rtlCol="0">
-            <a:spAutoFit/>
-          </a:bodyPr>
-          <a:lstStyle/>
-          <a:p>
-            <a:pPr algn="ctr"/>
-            <a:r>
-              <a:rPr lang="en-US" sz="1400" b="1" dirty="0" smtClean="0">
-                <a:solidFill>
-                  <a:schemeClr val="accent4"/>
-                </a:solidFill>
-              </a:rPr>
-              <a:t>DOCUMENT LEVEL DATA</a:t>
-            </a:r>
-            <a:endParaRPr lang="en-US" sz="1400" b="1" dirty="0">
-              <a:solidFill>
-                <a:schemeClr val="accent4"/>
-              </a:solidFill>
-            </a:endParaRPr>
-          </a:p>
-        </p:txBody>
-      </p:sp>
-      <p:sp>
-        <p:nvSpPr>
-          <p:cNvPr id="9" name="TextBox 8"/>
-          <p:cNvSpPr txBox="1"/>
-          <p:nvPr/>
-        </p:nvSpPr>
-        <p:spPr>
-          <a:xfrm rot="16200000">
-            <a:off x="5049632" y="2271460"/>
-            <a:ext cx="2287824" cy="307777"/>
-          </a:xfrm>
-          <a:prstGeom prst="rect">
-            <a:avLst/>
-          </a:prstGeom>
-          <a:noFill/>
-        </p:spPr>
-        <p:txBody>
-          <a:bodyPr wrap="square" rtlCol="0">
-            <a:spAutoFit/>
-          </a:bodyPr>
-          <a:lstStyle/>
-          <a:p>
-            <a:pPr algn="ctr"/>
-            <a:r>
-              <a:rPr lang="en-US" sz="1400" b="1" dirty="0" smtClean="0">
-                <a:solidFill>
-                  <a:schemeClr val="accent4"/>
-                </a:solidFill>
-              </a:rPr>
-              <a:t>PAGE LEVEL DATA</a:t>
-            </a:r>
-            <a:endParaRPr lang="en-US" sz="1400" b="1" dirty="0">
-              <a:solidFill>
-                <a:schemeClr val="accent4"/>
-              </a:solidFill>
-            </a:endParaRPr>
-          </a:p>
-        </p:txBody>
-      </p:sp>
-      <p:sp>
-        <p:nvSpPr>
-          <p:cNvPr id="10" name="TextBox 9"/>
-          <p:cNvSpPr txBox="1"/>
-          <p:nvPr/>
-        </p:nvSpPr>
-        <p:spPr>
-          <a:xfrm rot="16200000">
-            <a:off x="5049633" y="5236800"/>
-            <a:ext cx="2287824" cy="307777"/>
-          </a:xfrm>
-          <a:prstGeom prst="rect">
-            <a:avLst/>
-          </a:prstGeom>
-          <a:noFill/>
-        </p:spPr>
-        <p:txBody>
-          <a:bodyPr wrap="square" rtlCol="0">
-            <a:spAutoFit/>
-          </a:bodyPr>
-          <a:lstStyle/>
-          <a:p>
-            <a:pPr algn="ctr"/>
-            <a:r>
-              <a:rPr lang="en-US" sz="1400" b="1" dirty="0" smtClean="0">
-                <a:solidFill>
-                  <a:schemeClr val="accent4"/>
-                </a:solidFill>
-              </a:rPr>
-              <a:t>PAGE LEVEL DATA</a:t>
-            </a:r>
-            <a:endParaRPr lang="en-US" sz="1400" b="1" dirty="0">
-              <a:solidFill>
-                <a:schemeClr val="accent4"/>
-              </a:solidFill>
-            </a:endParaRPr>
-          </a:p>
-        </p:txBody>
-      </p:sp>
-      <p:sp>
-        <p:nvSpPr>
-          <p:cNvPr id="11" name="TextBox 10"/>
-          <p:cNvSpPr txBox="1"/>
-          <p:nvPr/>
-        </p:nvSpPr>
-        <p:spPr>
-          <a:xfrm>
-            <a:off x="3259821" y="1324545"/>
-            <a:ext cx="2440547" cy="553998"/>
-          </a:xfrm>
-          <a:prstGeom prst="rect">
-            <a:avLst/>
-          </a:prstGeom>
-          <a:noFill/>
-        </p:spPr>
-        <p:txBody>
-          <a:bodyPr wrap="square" rtlCol="0">
-            <a:spAutoFit/>
-          </a:bodyPr>
-          <a:lstStyle/>
-          <a:p>
-            <a:pPr algn="ctr"/>
-            <a:r>
-              <a:rPr lang="en-US" sz="1500" u="sng" dirty="0" smtClean="0"/>
-              <a:t>Accuracy</a:t>
-            </a:r>
-          </a:p>
-          <a:p>
-            <a:pPr algn="ctr"/>
-            <a:r>
-              <a:rPr lang="en-US" sz="1500" dirty="0" smtClean="0"/>
-              <a:t>86.6%</a:t>
-            </a:r>
-            <a:endParaRPr lang="en-US" sz="1500" dirty="0"/>
-          </a:p>
-        </p:txBody>
-      </p:sp>
-      <p:sp>
-        <p:nvSpPr>
-          <p:cNvPr id="12" name="TextBox 11"/>
-          <p:cNvSpPr txBox="1"/>
-          <p:nvPr/>
-        </p:nvSpPr>
-        <p:spPr>
-          <a:xfrm>
-            <a:off x="3259821" y="1916888"/>
-            <a:ext cx="2440547" cy="553998"/>
-          </a:xfrm>
-          <a:prstGeom prst="rect">
-            <a:avLst/>
-          </a:prstGeom>
-          <a:noFill/>
-        </p:spPr>
-        <p:txBody>
-          <a:bodyPr wrap="square" rtlCol="0">
-            <a:spAutoFit/>
-          </a:bodyPr>
-          <a:lstStyle/>
-          <a:p>
-            <a:pPr algn="ctr"/>
-            <a:r>
-              <a:rPr lang="en-US" sz="1500" u="sng" dirty="0" smtClean="0"/>
-              <a:t>Precision</a:t>
-            </a:r>
-          </a:p>
-          <a:p>
-            <a:pPr algn="ctr"/>
-            <a:r>
-              <a:rPr lang="en-US" sz="1500" dirty="0" smtClean="0"/>
-              <a:t>80%</a:t>
-            </a:r>
-            <a:endParaRPr lang="en-US" sz="1500" dirty="0"/>
-          </a:p>
-        </p:txBody>
-      </p:sp>
-      <p:sp>
-        <p:nvSpPr>
-          <p:cNvPr id="13" name="TextBox 12"/>
-          <p:cNvSpPr txBox="1"/>
-          <p:nvPr/>
-        </p:nvSpPr>
-        <p:spPr>
-          <a:xfrm>
-            <a:off x="3259821" y="2534631"/>
-            <a:ext cx="2440547" cy="553998"/>
-          </a:xfrm>
-          <a:prstGeom prst="rect">
-            <a:avLst/>
-          </a:prstGeom>
-          <a:noFill/>
-        </p:spPr>
-        <p:txBody>
-          <a:bodyPr wrap="square" rtlCol="0">
-            <a:spAutoFit/>
-          </a:bodyPr>
-          <a:lstStyle/>
-          <a:p>
-            <a:pPr algn="ctr"/>
-            <a:r>
-              <a:rPr lang="en-US" sz="1500" u="sng" dirty="0" smtClean="0"/>
-              <a:t>Recall</a:t>
-            </a:r>
-          </a:p>
-          <a:p>
-            <a:pPr algn="ctr"/>
-            <a:r>
-              <a:rPr lang="en-US" sz="1500" dirty="0" smtClean="0"/>
-              <a:t>87%</a:t>
-            </a:r>
-            <a:endParaRPr lang="en-US" sz="1500" dirty="0"/>
-          </a:p>
-        </p:txBody>
-      </p:sp>
-      <p:sp>
-        <p:nvSpPr>
-          <p:cNvPr id="14" name="TextBox 13"/>
-          <p:cNvSpPr txBox="1"/>
-          <p:nvPr/>
-        </p:nvSpPr>
-        <p:spPr>
-          <a:xfrm>
-            <a:off x="6382841" y="1401819"/>
-            <a:ext cx="2440547" cy="292388"/>
-          </a:xfrm>
-          <a:prstGeom prst="rect">
-            <a:avLst/>
-          </a:prstGeom>
-          <a:noFill/>
-        </p:spPr>
-        <p:txBody>
-          <a:bodyPr wrap="square" rtlCol="0">
-            <a:spAutoFit/>
-          </a:bodyPr>
-          <a:lstStyle/>
-          <a:p>
-            <a:pPr algn="ctr"/>
-            <a:r>
-              <a:rPr lang="en-US" sz="1300" dirty="0" smtClean="0"/>
-              <a:t>Confusion Matrix (test data)</a:t>
-            </a:r>
-            <a:endParaRPr lang="en-US" sz="1300" dirty="0"/>
-          </a:p>
-        </p:txBody>
-      </p:sp>
-      <p:graphicFrame>
-        <p:nvGraphicFramePr>
-          <p:cNvPr id="15" name="Table 14"/>
-          <p:cNvGraphicFramePr>
-            <a:graphicFrameLocks noGrp="1"/>
-          </p:cNvGraphicFramePr>
-          <p:nvPr>
-            <p:extLst>
-              <p:ext uri="{D42A27DB-BD31-4B8C-83A1-F6EECF244321}">
-                <p14:modId xmlns:p14="http://schemas.microsoft.com/office/powerpoint/2010/main" val="1472546571"/>
-              </p:ext>
-            </p:extLst>
-          </p:nvPr>
-        </p:nvGraphicFramePr>
-        <p:xfrm>
-          <a:off x="6475530" y="1747790"/>
-          <a:ext cx="2255171" cy="1566015"/>
-        </p:xfrm>
-        <a:graphic>
-          <a:graphicData uri="http://schemas.openxmlformats.org/drawingml/2006/table">
-            <a:tbl>
-              <a:tblPr firstRow="1" bandRow="1">
-                <a:tableStyleId>{5C22544A-7EE6-4342-B048-85BDC9FD1C3A}</a:tableStyleId>
-              </a:tblPr>
-              <a:tblGrid>
-                <a:gridCol w="321835"/>
-                <a:gridCol w="483334"/>
-                <a:gridCol w="483334"/>
-                <a:gridCol w="483334"/>
-                <a:gridCol w="483334"/>
-              </a:tblGrid>
-              <a:tr h="313203">
-                <a:tc>
-                  <a:txBody>
-                    <a:bodyPr/>
-                    <a:lstStyle/>
-                    <a:p>
-                      <a:pPr algn="ctr"/>
-                      <a:endParaRPr lang="en-US" sz="1400" dirty="0">
-                        <a:solidFill>
-                          <a:schemeClr val="tx1"/>
-                        </a:solidFill>
-                      </a:endParaRPr>
-                    </a:p>
-                  </a:txBody>
-                  <a:tcPr>
-                    <a:lnL w="12700" cap="flat" cmpd="sng" algn="ctr">
-                      <a:solidFill>
-                        <a:schemeClr val="tx1"/>
-                      </a:solidFill>
-                      <a:prstDash val="solid"/>
-                      <a:round/>
-                      <a:headEnd type="none" w="med" len="med"/>
-                      <a:tailEnd type="none" w="med" len="med"/>
-                    </a:lnL>
-                    <a:lnR w="12700" cap="flat" cmpd="sng" algn="ctr">
-                      <a:solidFill>
-                        <a:schemeClr val="tx1"/>
-                      </a:solidFill>
-                      <a:prstDash val="solid"/>
-                      <a:round/>
-                      <a:headEnd type="none" w="med" len="med"/>
-                      <a:tailEnd type="none" w="med" len="med"/>
-                    </a:lnR>
-                    <a:lnT w="12700" cap="flat" cmpd="sng" algn="ctr">
-                      <a:solidFill>
-                        <a:schemeClr val="tx1"/>
-                      </a:solidFill>
-                      <a:prstDash val="solid"/>
-                      <a:round/>
-                      <a:headEnd type="none" w="med" len="med"/>
-                      <a:tailEnd type="none" w="med" len="med"/>
-                    </a:lnT>
-                    <a:lnB w="12700" cap="flat" cmpd="sng" algn="ctr">
-                      <a:solidFill>
-                        <a:schemeClr val="tx1"/>
-                      </a:solidFill>
-                      <a:prstDash val="solid"/>
-                      <a:round/>
-                      <a:headEnd type="none" w="med" len="med"/>
-                      <a:tailEnd type="none" w="med" len="med"/>
-                    </a:lnB>
-                    <a:noFill/>
-                  </a:tcPr>
-                </a:tc>
-                <a:tc>
-                  <a:txBody>
-                    <a:bodyPr/>
-                    <a:lstStyle/>
-                    <a:p>
-                      <a:pPr algn="ctr"/>
-                      <a:r>
-                        <a:rPr lang="en-US" sz="1400" dirty="0" smtClean="0">
-                          <a:solidFill>
-                            <a:schemeClr val="tx1"/>
-                          </a:solidFill>
-                        </a:rPr>
-                        <a:t>1</a:t>
-                      </a:r>
-                      <a:endParaRPr lang="en-US" sz="1400" dirty="0">
-                        <a:solidFill>
-                          <a:schemeClr val="tx1"/>
-                        </a:solidFill>
-                      </a:endParaRPr>
-                    </a:p>
-                  </a:txBody>
-                  <a:tcPr>
-                    <a:lnL w="12700" cap="flat" cmpd="sng" algn="ctr">
-                      <a:solidFill>
-                        <a:schemeClr val="tx1"/>
-                      </a:solidFill>
-                      <a:prstDash val="solid"/>
-                      <a:round/>
-                      <a:headEnd type="none" w="med" len="med"/>
-                      <a:tailEnd type="none" w="med" len="med"/>
-                    </a:lnL>
-                    <a:lnR w="12700" cap="flat" cmpd="sng" algn="ctr">
-                      <a:solidFill>
-                        <a:schemeClr val="tx1"/>
-                      </a:solidFill>
-                      <a:prstDash val="solid"/>
-                      <a:round/>
-                      <a:headEnd type="none" w="med" len="med"/>
-                      <a:tailEnd type="none" w="med" len="med"/>
-                    </a:lnR>
-                    <a:lnT w="12700" cap="flat" cmpd="sng" algn="ctr">
-                      <a:solidFill>
-                        <a:schemeClr val="tx1"/>
-                      </a:solidFill>
-                      <a:prstDash val="solid"/>
-                      <a:round/>
-                      <a:headEnd type="none" w="med" len="med"/>
-                      <a:tailEnd type="none" w="med" len="med"/>
-                    </a:lnT>
-                    <a:lnB w="12700" cap="flat" cmpd="sng" algn="ctr">
-                      <a:solidFill>
-                        <a:schemeClr val="tx1"/>
-                      </a:solidFill>
-                      <a:prstDash val="solid"/>
-                      <a:round/>
-                      <a:headEnd type="none" w="med" len="med"/>
-                      <a:tailEnd type="none" w="med" len="med"/>
-                    </a:lnB>
-                    <a:noFill/>
-                  </a:tcPr>
-                </a:tc>
-                <a:tc>
-                  <a:txBody>
-                    <a:bodyPr/>
-                    <a:lstStyle/>
-                    <a:p>
-                      <a:pPr algn="ctr"/>
-                      <a:r>
-                        <a:rPr lang="en-US" sz="1400" dirty="0" smtClean="0">
-                          <a:solidFill>
-                            <a:schemeClr val="tx1"/>
-                          </a:solidFill>
-                        </a:rPr>
-                        <a:t>2</a:t>
-                      </a:r>
-                      <a:endParaRPr lang="en-US" sz="1400" dirty="0">
-                        <a:solidFill>
-                          <a:schemeClr val="tx1"/>
-                        </a:solidFill>
-                      </a:endParaRPr>
-                    </a:p>
-                  </a:txBody>
-                  <a:tcPr>
-                    <a:lnL w="12700" cap="flat" cmpd="sng" algn="ctr">
-                      <a:solidFill>
-                        <a:schemeClr val="tx1"/>
-                      </a:solidFill>
-                      <a:prstDash val="solid"/>
-                      <a:round/>
-                      <a:headEnd type="none" w="med" len="med"/>
-                      <a:tailEnd type="none" w="med" len="med"/>
-                    </a:lnL>
-                    <a:lnR w="12700" cap="flat" cmpd="sng" algn="ctr">
-                      <a:solidFill>
-                        <a:schemeClr val="tx1"/>
-                      </a:solidFill>
-                      <a:prstDash val="solid"/>
-                      <a:round/>
-                      <a:headEnd type="none" w="med" len="med"/>
-                      <a:tailEnd type="none" w="med" len="med"/>
-                    </a:lnR>
-                    <a:lnT w="12700" cap="flat" cmpd="sng" algn="ctr">
-                      <a:solidFill>
-                        <a:schemeClr val="tx1"/>
-                      </a:solidFill>
-                      <a:prstDash val="solid"/>
-                      <a:round/>
-                      <a:headEnd type="none" w="med" len="med"/>
-                      <a:tailEnd type="none" w="med" len="med"/>
-                    </a:lnT>
-                    <a:lnB w="12700" cap="flat" cmpd="sng" algn="ctr">
-                      <a:solidFill>
-                        <a:schemeClr val="tx1"/>
-                      </a:solidFill>
-                      <a:prstDash val="solid"/>
-                      <a:round/>
-                      <a:headEnd type="none" w="med" len="med"/>
-                      <a:tailEnd type="none" w="med" len="med"/>
-                    </a:lnB>
-                    <a:noFill/>
-                  </a:tcPr>
-                </a:tc>
-                <a:tc>
-                  <a:txBody>
-                    <a:bodyPr/>
-                    <a:lstStyle/>
-                    <a:p>
-                      <a:pPr algn="ctr"/>
-                      <a:r>
-                        <a:rPr lang="en-US" sz="1400" dirty="0" smtClean="0">
-                          <a:solidFill>
-                            <a:schemeClr val="tx1"/>
-                          </a:solidFill>
-                        </a:rPr>
-                        <a:t>3</a:t>
-                      </a:r>
-                      <a:endParaRPr lang="en-US" sz="1400" dirty="0">
-                        <a:solidFill>
-                          <a:schemeClr val="tx1"/>
-                        </a:solidFill>
-                      </a:endParaRPr>
-                    </a:p>
-                  </a:txBody>
-                  <a:tcPr>
-                    <a:lnL w="12700" cap="flat" cmpd="sng" algn="ctr">
-                      <a:solidFill>
-                        <a:schemeClr val="tx1"/>
-                      </a:solidFill>
-                      <a:prstDash val="solid"/>
-                      <a:round/>
-                      <a:headEnd type="none" w="med" len="med"/>
-                      <a:tailEnd type="none" w="med" len="med"/>
-                    </a:lnL>
-                    <a:lnR w="12700" cap="flat" cmpd="sng" algn="ctr">
-                      <a:solidFill>
-                        <a:schemeClr val="tx1"/>
-                      </a:solidFill>
-                      <a:prstDash val="solid"/>
-                      <a:round/>
-                      <a:headEnd type="none" w="med" len="med"/>
-                      <a:tailEnd type="none" w="med" len="med"/>
-                    </a:lnR>
-                    <a:lnT w="12700" cap="flat" cmpd="sng" algn="ctr">
-                      <a:solidFill>
-                        <a:schemeClr val="tx1"/>
-                      </a:solidFill>
-                      <a:prstDash val="solid"/>
-                      <a:round/>
-                      <a:headEnd type="none" w="med" len="med"/>
-                      <a:tailEnd type="none" w="med" len="med"/>
-                    </a:lnT>
-                    <a:lnB w="12700" cap="flat" cmpd="sng" algn="ctr">
-                      <a:solidFill>
-                        <a:schemeClr val="tx1"/>
-                      </a:solidFill>
-                      <a:prstDash val="solid"/>
-                      <a:round/>
-                      <a:headEnd type="none" w="med" len="med"/>
-                      <a:tailEnd type="none" w="med" len="med"/>
-                    </a:lnB>
-                    <a:noFill/>
-                  </a:tcPr>
-                </a:tc>
-                <a:tc>
-                  <a:txBody>
-                    <a:bodyPr/>
-                    <a:lstStyle/>
-                    <a:p>
-                      <a:pPr algn="ctr"/>
-                      <a:r>
-                        <a:rPr lang="en-US" sz="1400" dirty="0" smtClean="0">
-                          <a:solidFill>
-                            <a:schemeClr val="tx1"/>
-                          </a:solidFill>
-                        </a:rPr>
-                        <a:t>4</a:t>
-                      </a:r>
-                      <a:endParaRPr lang="en-US" sz="1400" dirty="0">
-                        <a:solidFill>
-                          <a:schemeClr val="tx1"/>
-                        </a:solidFill>
-                      </a:endParaRPr>
-                    </a:p>
-                  </a:txBody>
-                  <a:tcPr>
-                    <a:lnL w="12700" cap="flat" cmpd="sng" algn="ctr">
-                      <a:solidFill>
-                        <a:schemeClr val="tx1"/>
-                      </a:solidFill>
-                      <a:prstDash val="solid"/>
-                      <a:round/>
-                      <a:headEnd type="none" w="med" len="med"/>
-                      <a:tailEnd type="none" w="med" len="med"/>
-                    </a:lnL>
-                    <a:lnR w="12700" cap="flat" cmpd="sng" algn="ctr">
-                      <a:solidFill>
-                        <a:schemeClr val="tx1"/>
-                      </a:solidFill>
-                      <a:prstDash val="solid"/>
-                      <a:round/>
-                      <a:headEnd type="none" w="med" len="med"/>
-                      <a:tailEnd type="none" w="med" len="med"/>
-                    </a:lnR>
-                    <a:lnT w="12700" cap="flat" cmpd="sng" algn="ctr">
-                      <a:solidFill>
-                        <a:schemeClr val="tx1"/>
-                      </a:solidFill>
-                      <a:prstDash val="solid"/>
-                      <a:round/>
-                      <a:headEnd type="none" w="med" len="med"/>
-                      <a:tailEnd type="none" w="med" len="med"/>
-                    </a:lnT>
-                    <a:lnB w="12700" cap="flat" cmpd="sng" algn="ctr">
-                      <a:solidFill>
-                        <a:schemeClr val="tx1"/>
-                      </a:solidFill>
-                      <a:prstDash val="solid"/>
-                      <a:round/>
-                      <a:headEnd type="none" w="med" len="med"/>
-                      <a:tailEnd type="none" w="med" len="med"/>
-                    </a:lnB>
-                    <a:noFill/>
-                  </a:tcPr>
-                </a:tc>
-              </a:tr>
-              <a:tr h="313203">
-                <a:tc>
-                  <a:txBody>
-                    <a:bodyPr/>
-                    <a:lstStyle/>
-                    <a:p>
-                      <a:pPr algn="ctr"/>
-                      <a:r>
-                        <a:rPr lang="en-US" sz="1400" dirty="0" smtClean="0">
-                          <a:solidFill>
-                            <a:schemeClr val="tx1"/>
-                          </a:solidFill>
-                        </a:rPr>
-                        <a:t>1</a:t>
-                      </a:r>
-                      <a:endParaRPr lang="en-US" sz="1400" dirty="0">
-                        <a:solidFill>
-                          <a:schemeClr val="tx1"/>
-                        </a:solidFill>
-                      </a:endParaRPr>
-                    </a:p>
-                  </a:txBody>
-                  <a:tcPr>
-                    <a:lnL w="12700" cap="flat" cmpd="sng" algn="ctr">
-                      <a:solidFill>
-                        <a:schemeClr val="tx1"/>
-                      </a:solidFill>
-                      <a:prstDash val="solid"/>
-                      <a:round/>
-                      <a:headEnd type="none" w="med" len="med"/>
-                      <a:tailEnd type="none" w="med" len="med"/>
-                    </a:lnL>
-                    <a:lnR w="12700" cap="flat" cmpd="sng" algn="ctr">
-                      <a:solidFill>
-                        <a:schemeClr val="tx1"/>
-                      </a:solidFill>
-                      <a:prstDash val="solid"/>
-                      <a:round/>
-                      <a:headEnd type="none" w="med" len="med"/>
-                      <a:tailEnd type="none" w="med" len="med"/>
-                    </a:lnR>
-                    <a:lnT w="12700" cap="flat" cmpd="sng" algn="ctr">
-                      <a:solidFill>
-                        <a:schemeClr val="tx1"/>
-                      </a:solidFill>
-                      <a:prstDash val="solid"/>
-                      <a:round/>
-                      <a:headEnd type="none" w="med" len="med"/>
-                      <a:tailEnd type="none" w="med" len="med"/>
-                    </a:lnT>
-                    <a:lnB w="12700" cap="flat" cmpd="sng" algn="ctr">
-                      <a:solidFill>
-                        <a:schemeClr val="tx1"/>
-                      </a:solidFill>
-                      <a:prstDash val="solid"/>
-                      <a:round/>
-                      <a:headEnd type="none" w="med" len="med"/>
-                      <a:tailEnd type="none" w="med" len="med"/>
-                    </a:lnB>
-                    <a:noFill/>
-                  </a:tcPr>
-                </a:tc>
-                <a:tc>
-                  <a:txBody>
-                    <a:bodyPr/>
-                    <a:lstStyle/>
-                    <a:p>
-                      <a:pPr algn="ctr"/>
-                      <a:r>
-                        <a:rPr lang="en-US" sz="1400" dirty="0" smtClean="0">
-                          <a:solidFill>
-                            <a:schemeClr val="tx1"/>
-                          </a:solidFill>
-                        </a:rPr>
-                        <a:t>131</a:t>
-                      </a:r>
-                      <a:endParaRPr lang="en-US" sz="1400" dirty="0">
-                        <a:solidFill>
-                          <a:schemeClr val="tx1"/>
-                        </a:solidFill>
-                      </a:endParaRPr>
-                    </a:p>
-                  </a:txBody>
-                  <a:tcPr>
-                    <a:lnL w="12700" cap="flat" cmpd="sng" algn="ctr">
-                      <a:solidFill>
-                        <a:schemeClr val="tx1"/>
-                      </a:solidFill>
-                      <a:prstDash val="solid"/>
-                      <a:round/>
-                      <a:headEnd type="none" w="med" len="med"/>
-                      <a:tailEnd type="none" w="med" len="med"/>
-                    </a:lnL>
-                    <a:lnR w="12700" cap="flat" cmpd="sng" algn="ctr">
-                      <a:solidFill>
-                        <a:schemeClr val="tx1"/>
-                      </a:solidFill>
-                      <a:prstDash val="solid"/>
-                      <a:round/>
-                      <a:headEnd type="none" w="med" len="med"/>
-                      <a:tailEnd type="none" w="med" len="med"/>
-                    </a:lnR>
-                    <a:lnT w="12700" cap="flat" cmpd="sng" algn="ctr">
-                      <a:solidFill>
-                        <a:schemeClr val="tx1"/>
-                      </a:solidFill>
-                      <a:prstDash val="solid"/>
-                      <a:round/>
-                      <a:headEnd type="none" w="med" len="med"/>
-                      <a:tailEnd type="none" w="med" len="med"/>
-                    </a:lnT>
-                    <a:lnB w="12700" cap="flat" cmpd="sng" algn="ctr">
-                      <a:solidFill>
-                        <a:schemeClr val="tx1"/>
-                      </a:solidFill>
-                      <a:prstDash val="solid"/>
-                      <a:round/>
-                      <a:headEnd type="none" w="med" len="med"/>
-                      <a:tailEnd type="none" w="med" len="med"/>
-                    </a:lnB>
-                    <a:noFill/>
-                  </a:tcPr>
-                </a:tc>
-                <a:tc>
-                  <a:txBody>
-                    <a:bodyPr/>
-                    <a:lstStyle/>
-                    <a:p>
-                      <a:pPr algn="ctr"/>
-                      <a:r>
-                        <a:rPr lang="en-US" sz="1400" dirty="0" smtClean="0">
-                          <a:solidFill>
-                            <a:schemeClr val="tx1"/>
-                          </a:solidFill>
-                        </a:rPr>
-                        <a:t>17</a:t>
-                      </a:r>
-                      <a:endParaRPr lang="en-US" sz="1400" dirty="0">
-                        <a:solidFill>
-                          <a:schemeClr val="tx1"/>
-                        </a:solidFill>
-                      </a:endParaRPr>
-                    </a:p>
-                  </a:txBody>
-                  <a:tcPr>
-                    <a:lnL w="12700" cap="flat" cmpd="sng" algn="ctr">
-                      <a:solidFill>
-                        <a:schemeClr val="tx1"/>
-                      </a:solidFill>
-                      <a:prstDash val="solid"/>
-                      <a:round/>
-                      <a:headEnd type="none" w="med" len="med"/>
-                      <a:tailEnd type="none" w="med" len="med"/>
-                    </a:lnL>
-                    <a:lnR w="12700" cap="flat" cmpd="sng" algn="ctr">
-                      <a:solidFill>
-                        <a:schemeClr val="tx1"/>
-                      </a:solidFill>
-                      <a:prstDash val="solid"/>
-                      <a:round/>
-                      <a:headEnd type="none" w="med" len="med"/>
-                      <a:tailEnd type="none" w="med" len="med"/>
-                    </a:lnR>
-                    <a:lnT w="12700" cap="flat" cmpd="sng" algn="ctr">
-                      <a:solidFill>
-                        <a:schemeClr val="tx1"/>
-                      </a:solidFill>
-                      <a:prstDash val="solid"/>
-                      <a:round/>
-                      <a:headEnd type="none" w="med" len="med"/>
-                      <a:tailEnd type="none" w="med" len="med"/>
-                    </a:lnT>
-                    <a:lnB w="12700" cap="flat" cmpd="sng" algn="ctr">
-                      <a:solidFill>
-                        <a:schemeClr val="tx1"/>
-                      </a:solidFill>
-                      <a:prstDash val="solid"/>
-                      <a:round/>
-                      <a:headEnd type="none" w="med" len="med"/>
-                      <a:tailEnd type="none" w="med" len="med"/>
-                    </a:lnB>
-                    <a:noFill/>
-                  </a:tcPr>
-                </a:tc>
-                <a:tc>
-                  <a:txBody>
-                    <a:bodyPr/>
-                    <a:lstStyle/>
-                    <a:p>
-                      <a:pPr algn="ctr"/>
-                      <a:r>
-                        <a:rPr lang="en-US" sz="1400" dirty="0" smtClean="0">
-                          <a:solidFill>
-                            <a:schemeClr val="tx1"/>
-                          </a:solidFill>
-                        </a:rPr>
-                        <a:t>6</a:t>
-                      </a:r>
-                      <a:endParaRPr lang="en-US" sz="1400" dirty="0">
-                        <a:solidFill>
-                          <a:schemeClr val="tx1"/>
-                        </a:solidFill>
-                      </a:endParaRPr>
-                    </a:p>
-                  </a:txBody>
-                  <a:tcPr>
-                    <a:lnL w="12700" cap="flat" cmpd="sng" algn="ctr">
-                      <a:solidFill>
-                        <a:schemeClr val="tx1"/>
-                      </a:solidFill>
-                      <a:prstDash val="solid"/>
-                      <a:round/>
-                      <a:headEnd type="none" w="med" len="med"/>
-                      <a:tailEnd type="none" w="med" len="med"/>
-                    </a:lnL>
-                    <a:lnR w="12700" cap="flat" cmpd="sng" algn="ctr">
-                      <a:solidFill>
-                        <a:schemeClr val="tx1"/>
-                      </a:solidFill>
-                      <a:prstDash val="solid"/>
-                      <a:round/>
-                      <a:headEnd type="none" w="med" len="med"/>
-                      <a:tailEnd type="none" w="med" len="med"/>
-                    </a:lnR>
-                    <a:lnT w="12700" cap="flat" cmpd="sng" algn="ctr">
-                      <a:solidFill>
-                        <a:schemeClr val="tx1"/>
-                      </a:solidFill>
-                      <a:prstDash val="solid"/>
-                      <a:round/>
-                      <a:headEnd type="none" w="med" len="med"/>
-                      <a:tailEnd type="none" w="med" len="med"/>
-                    </a:lnT>
-                    <a:lnB w="12700" cap="flat" cmpd="sng" algn="ctr">
-                      <a:solidFill>
-                        <a:schemeClr val="tx1"/>
-                      </a:solidFill>
-                      <a:prstDash val="solid"/>
-                      <a:round/>
-                      <a:headEnd type="none" w="med" len="med"/>
-                      <a:tailEnd type="none" w="med" len="med"/>
-                    </a:lnB>
-                    <a:noFill/>
-                  </a:tcPr>
-                </a:tc>
-                <a:tc>
-                  <a:txBody>
-                    <a:bodyPr/>
-                    <a:lstStyle/>
-                    <a:p>
-                      <a:pPr algn="ctr"/>
-                      <a:r>
-                        <a:rPr lang="en-US" sz="1400" dirty="0" smtClean="0">
-                          <a:solidFill>
-                            <a:schemeClr val="tx1"/>
-                          </a:solidFill>
-                        </a:rPr>
-                        <a:t>0</a:t>
-                      </a:r>
-                      <a:endParaRPr lang="en-US" sz="1400" dirty="0">
-                        <a:solidFill>
-                          <a:schemeClr val="tx1"/>
-                        </a:solidFill>
-                      </a:endParaRPr>
-                    </a:p>
-                  </a:txBody>
-                  <a:tcPr>
-                    <a:lnL w="12700" cap="flat" cmpd="sng" algn="ctr">
-                      <a:solidFill>
-                        <a:schemeClr val="tx1"/>
-                      </a:solidFill>
-                      <a:prstDash val="solid"/>
-                      <a:round/>
-                      <a:headEnd type="none" w="med" len="med"/>
-                      <a:tailEnd type="none" w="med" len="med"/>
-                    </a:lnL>
-                    <a:lnR w="12700" cap="flat" cmpd="sng" algn="ctr">
-                      <a:solidFill>
-                        <a:schemeClr val="tx1"/>
-                      </a:solidFill>
-                      <a:prstDash val="solid"/>
-                      <a:round/>
-                      <a:headEnd type="none" w="med" len="med"/>
-                      <a:tailEnd type="none" w="med" len="med"/>
-                    </a:lnR>
-                    <a:lnT w="12700" cap="flat" cmpd="sng" algn="ctr">
-                      <a:solidFill>
-                        <a:schemeClr val="tx1"/>
-                      </a:solidFill>
-                      <a:prstDash val="solid"/>
-                      <a:round/>
-                      <a:headEnd type="none" w="med" len="med"/>
-                      <a:tailEnd type="none" w="med" len="med"/>
-                    </a:lnT>
-                    <a:lnB w="12700" cap="flat" cmpd="sng" algn="ctr">
-                      <a:solidFill>
-                        <a:schemeClr val="tx1"/>
-                      </a:solidFill>
-                      <a:prstDash val="solid"/>
-                      <a:round/>
-                      <a:headEnd type="none" w="med" len="med"/>
-                      <a:tailEnd type="none" w="med" len="med"/>
-                    </a:lnB>
-                    <a:noFill/>
-                  </a:tcPr>
-                </a:tc>
-              </a:tr>
-              <a:tr h="313203">
-                <a:tc>
-                  <a:txBody>
-                    <a:bodyPr/>
-                    <a:lstStyle/>
-                    <a:p>
-                      <a:pPr algn="ctr"/>
-                      <a:r>
-                        <a:rPr lang="en-US" sz="1400" dirty="0" smtClean="0">
-                          <a:solidFill>
-                            <a:schemeClr val="tx1"/>
-                          </a:solidFill>
-                        </a:rPr>
-                        <a:t>2</a:t>
-                      </a:r>
-                      <a:endParaRPr lang="en-US" sz="1400" dirty="0">
-                        <a:solidFill>
-                          <a:schemeClr val="tx1"/>
-                        </a:solidFill>
-                      </a:endParaRPr>
-                    </a:p>
-                  </a:txBody>
-                  <a:tcPr>
-                    <a:lnL w="12700" cap="flat" cmpd="sng" algn="ctr">
-                      <a:solidFill>
-                        <a:schemeClr val="tx1"/>
-                      </a:solidFill>
-                      <a:prstDash val="solid"/>
-                      <a:round/>
-                      <a:headEnd type="none" w="med" len="med"/>
-                      <a:tailEnd type="none" w="med" len="med"/>
-                    </a:lnL>
-                    <a:lnR w="12700" cap="flat" cmpd="sng" algn="ctr">
-                      <a:solidFill>
-                        <a:schemeClr val="tx1"/>
-                      </a:solidFill>
-                      <a:prstDash val="solid"/>
-                      <a:round/>
-                      <a:headEnd type="none" w="med" len="med"/>
-                      <a:tailEnd type="none" w="med" len="med"/>
-                    </a:lnR>
-                    <a:lnT w="12700" cap="flat" cmpd="sng" algn="ctr">
-                      <a:solidFill>
-                        <a:schemeClr val="tx1"/>
-                      </a:solidFill>
-                      <a:prstDash val="solid"/>
-                      <a:round/>
-                      <a:headEnd type="none" w="med" len="med"/>
-                      <a:tailEnd type="none" w="med" len="med"/>
-                    </a:lnT>
-                    <a:lnB w="12700" cap="flat" cmpd="sng" algn="ctr">
-                      <a:solidFill>
-                        <a:schemeClr val="tx1"/>
-                      </a:solidFill>
-                      <a:prstDash val="solid"/>
-                      <a:round/>
-                      <a:headEnd type="none" w="med" len="med"/>
-                      <a:tailEnd type="none" w="med" len="med"/>
-                    </a:lnB>
-                    <a:noFill/>
-                  </a:tcPr>
-                </a:tc>
-                <a:tc>
-                  <a:txBody>
-                    <a:bodyPr/>
-                    <a:lstStyle/>
-                    <a:p>
-                      <a:pPr algn="ctr"/>
-                      <a:r>
-                        <a:rPr lang="en-US" sz="1400" dirty="0" smtClean="0">
-                          <a:solidFill>
-                            <a:schemeClr val="tx1"/>
-                          </a:solidFill>
-                        </a:rPr>
-                        <a:t>4</a:t>
-                      </a:r>
-                      <a:endParaRPr lang="en-US" sz="1400" dirty="0">
-                        <a:solidFill>
-                          <a:schemeClr val="tx1"/>
-                        </a:solidFill>
-                      </a:endParaRPr>
-                    </a:p>
-                  </a:txBody>
-                  <a:tcPr>
-                    <a:lnL w="12700" cap="flat" cmpd="sng" algn="ctr">
-                      <a:solidFill>
-                        <a:schemeClr val="tx1"/>
-                      </a:solidFill>
-                      <a:prstDash val="solid"/>
-                      <a:round/>
-                      <a:headEnd type="none" w="med" len="med"/>
-                      <a:tailEnd type="none" w="med" len="med"/>
-                    </a:lnL>
-                    <a:lnR w="12700" cap="flat" cmpd="sng" algn="ctr">
-                      <a:solidFill>
-                        <a:schemeClr val="tx1"/>
-                      </a:solidFill>
-                      <a:prstDash val="solid"/>
-                      <a:round/>
-                      <a:headEnd type="none" w="med" len="med"/>
-                      <a:tailEnd type="none" w="med" len="med"/>
-                    </a:lnR>
-                    <a:lnT w="12700" cap="flat" cmpd="sng" algn="ctr">
-                      <a:solidFill>
-                        <a:schemeClr val="tx1"/>
-                      </a:solidFill>
-                      <a:prstDash val="solid"/>
-                      <a:round/>
-                      <a:headEnd type="none" w="med" len="med"/>
-                      <a:tailEnd type="none" w="med" len="med"/>
-                    </a:lnT>
-                    <a:lnB w="12700" cap="flat" cmpd="sng" algn="ctr">
-                      <a:solidFill>
-                        <a:schemeClr val="tx1"/>
-                      </a:solidFill>
-                      <a:prstDash val="solid"/>
-                      <a:round/>
-                      <a:headEnd type="none" w="med" len="med"/>
-                      <a:tailEnd type="none" w="med" len="med"/>
-                    </a:lnB>
-                    <a:noFill/>
-                  </a:tcPr>
-                </a:tc>
-                <a:tc>
-                  <a:txBody>
-                    <a:bodyPr/>
-                    <a:lstStyle/>
-                    <a:p>
-                      <a:pPr algn="ctr"/>
-                      <a:r>
-                        <a:rPr lang="en-US" sz="1400" dirty="0" smtClean="0">
-                          <a:solidFill>
-                            <a:schemeClr val="tx1"/>
-                          </a:solidFill>
-                        </a:rPr>
-                        <a:t>355</a:t>
-                      </a:r>
-                      <a:endParaRPr lang="en-US" sz="1400" dirty="0">
-                        <a:solidFill>
-                          <a:schemeClr val="tx1"/>
-                        </a:solidFill>
-                      </a:endParaRPr>
-                    </a:p>
-                  </a:txBody>
-                  <a:tcPr>
-                    <a:lnL w="12700" cap="flat" cmpd="sng" algn="ctr">
-                      <a:solidFill>
-                        <a:schemeClr val="tx1"/>
-                      </a:solidFill>
-                      <a:prstDash val="solid"/>
-                      <a:round/>
-                      <a:headEnd type="none" w="med" len="med"/>
-                      <a:tailEnd type="none" w="med" len="med"/>
-                    </a:lnL>
-                    <a:lnR w="12700" cap="flat" cmpd="sng" algn="ctr">
-                      <a:solidFill>
-                        <a:schemeClr val="tx1"/>
-                      </a:solidFill>
-                      <a:prstDash val="solid"/>
-                      <a:round/>
-                      <a:headEnd type="none" w="med" len="med"/>
-                      <a:tailEnd type="none" w="med" len="med"/>
-                    </a:lnR>
-                    <a:lnT w="12700" cap="flat" cmpd="sng" algn="ctr">
-                      <a:solidFill>
-                        <a:schemeClr val="tx1"/>
-                      </a:solidFill>
-                      <a:prstDash val="solid"/>
-                      <a:round/>
-                      <a:headEnd type="none" w="med" len="med"/>
-                      <a:tailEnd type="none" w="med" len="med"/>
-                    </a:lnT>
-                    <a:lnB w="12700" cap="flat" cmpd="sng" algn="ctr">
-                      <a:solidFill>
-                        <a:schemeClr val="tx1"/>
-                      </a:solidFill>
-                      <a:prstDash val="solid"/>
-                      <a:round/>
-                      <a:headEnd type="none" w="med" len="med"/>
-                      <a:tailEnd type="none" w="med" len="med"/>
-                    </a:lnB>
-                    <a:noFill/>
-                  </a:tcPr>
-                </a:tc>
-                <a:tc>
-                  <a:txBody>
-                    <a:bodyPr/>
-                    <a:lstStyle/>
-                    <a:p>
-                      <a:pPr algn="ctr"/>
-                      <a:r>
-                        <a:rPr lang="en-US" sz="1400" dirty="0" smtClean="0">
-                          <a:solidFill>
-                            <a:schemeClr val="tx1"/>
-                          </a:solidFill>
-                        </a:rPr>
-                        <a:t>12</a:t>
-                      </a:r>
-                      <a:endParaRPr lang="en-US" sz="1400" dirty="0">
-                        <a:solidFill>
-                          <a:schemeClr val="tx1"/>
-                        </a:solidFill>
-                      </a:endParaRPr>
-                    </a:p>
-                  </a:txBody>
-                  <a:tcPr>
-                    <a:lnL w="12700" cap="flat" cmpd="sng" algn="ctr">
-                      <a:solidFill>
-                        <a:schemeClr val="tx1"/>
-                      </a:solidFill>
-                      <a:prstDash val="solid"/>
-                      <a:round/>
-                      <a:headEnd type="none" w="med" len="med"/>
-                      <a:tailEnd type="none" w="med" len="med"/>
-                    </a:lnL>
-                    <a:lnR w="12700" cap="flat" cmpd="sng" algn="ctr">
-                      <a:solidFill>
-                        <a:schemeClr val="tx1"/>
-                      </a:solidFill>
-                      <a:prstDash val="solid"/>
-                      <a:round/>
-                      <a:headEnd type="none" w="med" len="med"/>
-                      <a:tailEnd type="none" w="med" len="med"/>
-                    </a:lnR>
-                    <a:lnT w="12700" cap="flat" cmpd="sng" algn="ctr">
-                      <a:solidFill>
-                        <a:schemeClr val="tx1"/>
-                      </a:solidFill>
-                      <a:prstDash val="solid"/>
-                      <a:round/>
-                      <a:headEnd type="none" w="med" len="med"/>
-                      <a:tailEnd type="none" w="med" len="med"/>
-                    </a:lnT>
-                    <a:lnB w="12700" cap="flat" cmpd="sng" algn="ctr">
-                      <a:solidFill>
-                        <a:schemeClr val="tx1"/>
-                      </a:solidFill>
-                      <a:prstDash val="solid"/>
-                      <a:round/>
-                      <a:headEnd type="none" w="med" len="med"/>
-                      <a:tailEnd type="none" w="med" len="med"/>
-                    </a:lnB>
-                    <a:noFill/>
-                  </a:tcPr>
-                </a:tc>
-                <a:tc>
-                  <a:txBody>
-                    <a:bodyPr/>
-                    <a:lstStyle/>
-                    <a:p>
-                      <a:pPr algn="ctr"/>
-                      <a:r>
-                        <a:rPr lang="en-US" sz="1400" dirty="0" smtClean="0">
-                          <a:solidFill>
-                            <a:schemeClr val="tx1"/>
-                          </a:solidFill>
-                        </a:rPr>
-                        <a:t>0</a:t>
-                      </a:r>
-                      <a:endParaRPr lang="en-US" sz="1400" dirty="0">
-                        <a:solidFill>
-                          <a:schemeClr val="tx1"/>
-                        </a:solidFill>
-                      </a:endParaRPr>
-                    </a:p>
-                  </a:txBody>
-                  <a:tcPr>
-                    <a:lnL w="12700" cap="flat" cmpd="sng" algn="ctr">
-                      <a:solidFill>
-                        <a:schemeClr val="tx1"/>
-                      </a:solidFill>
-                      <a:prstDash val="solid"/>
-                      <a:round/>
-                      <a:headEnd type="none" w="med" len="med"/>
-                      <a:tailEnd type="none" w="med" len="med"/>
-                    </a:lnL>
-                    <a:lnR w="12700" cap="flat" cmpd="sng" algn="ctr">
-                      <a:solidFill>
-                        <a:schemeClr val="tx1"/>
-                      </a:solidFill>
-                      <a:prstDash val="solid"/>
-                      <a:round/>
-                      <a:headEnd type="none" w="med" len="med"/>
-                      <a:tailEnd type="none" w="med" len="med"/>
-                    </a:lnR>
-                    <a:lnT w="12700" cap="flat" cmpd="sng" algn="ctr">
-                      <a:solidFill>
-                        <a:schemeClr val="tx1"/>
-                      </a:solidFill>
-                      <a:prstDash val="solid"/>
-                      <a:round/>
-                      <a:headEnd type="none" w="med" len="med"/>
-                      <a:tailEnd type="none" w="med" len="med"/>
-                    </a:lnT>
-                    <a:lnB w="12700" cap="flat" cmpd="sng" algn="ctr">
-                      <a:solidFill>
-                        <a:schemeClr val="tx1"/>
-                      </a:solidFill>
-                      <a:prstDash val="solid"/>
-                      <a:round/>
-                      <a:headEnd type="none" w="med" len="med"/>
-                      <a:tailEnd type="none" w="med" len="med"/>
-                    </a:lnB>
-                    <a:noFill/>
-                  </a:tcPr>
-                </a:tc>
-              </a:tr>
-              <a:tr h="313203">
-                <a:tc>
-                  <a:txBody>
-                    <a:bodyPr/>
-                    <a:lstStyle/>
-                    <a:p>
-                      <a:pPr algn="ctr"/>
-                      <a:r>
-                        <a:rPr lang="en-US" sz="1400" dirty="0" smtClean="0">
-                          <a:solidFill>
-                            <a:schemeClr val="tx1"/>
-                          </a:solidFill>
-                        </a:rPr>
-                        <a:t>3</a:t>
-                      </a:r>
-                      <a:endParaRPr lang="en-US" sz="1400" dirty="0">
-                        <a:solidFill>
-                          <a:schemeClr val="tx1"/>
-                        </a:solidFill>
-                      </a:endParaRPr>
-                    </a:p>
-                  </a:txBody>
-                  <a:tcPr>
-                    <a:lnL w="12700" cap="flat" cmpd="sng" algn="ctr">
-                      <a:solidFill>
-                        <a:schemeClr val="tx1"/>
-                      </a:solidFill>
-                      <a:prstDash val="solid"/>
-                      <a:round/>
-                      <a:headEnd type="none" w="med" len="med"/>
-                      <a:tailEnd type="none" w="med" len="med"/>
-                    </a:lnL>
-                    <a:lnR w="12700" cap="flat" cmpd="sng" algn="ctr">
-                      <a:solidFill>
-                        <a:schemeClr val="tx1"/>
-                      </a:solidFill>
-                      <a:prstDash val="solid"/>
-                      <a:round/>
-                      <a:headEnd type="none" w="med" len="med"/>
-                      <a:tailEnd type="none" w="med" len="med"/>
-                    </a:lnR>
-                    <a:lnT w="12700" cap="flat" cmpd="sng" algn="ctr">
-                      <a:solidFill>
-                        <a:schemeClr val="tx1"/>
-                      </a:solidFill>
-                      <a:prstDash val="solid"/>
-                      <a:round/>
-                      <a:headEnd type="none" w="med" len="med"/>
-                      <a:tailEnd type="none" w="med" len="med"/>
-                    </a:lnT>
-                    <a:lnB w="12700" cap="flat" cmpd="sng" algn="ctr">
-                      <a:solidFill>
-                        <a:schemeClr val="tx1"/>
-                      </a:solidFill>
-                      <a:prstDash val="solid"/>
-                      <a:round/>
-                      <a:headEnd type="none" w="med" len="med"/>
-                      <a:tailEnd type="none" w="med" len="med"/>
-                    </a:lnB>
-                    <a:noFill/>
-                  </a:tcPr>
-                </a:tc>
-                <a:tc>
-                  <a:txBody>
-                    <a:bodyPr/>
-                    <a:lstStyle/>
-                    <a:p>
-                      <a:pPr algn="ctr"/>
-                      <a:r>
-                        <a:rPr lang="en-US" sz="1400" dirty="0" smtClean="0">
-                          <a:solidFill>
-                            <a:schemeClr val="tx1"/>
-                          </a:solidFill>
-                        </a:rPr>
-                        <a:t>14</a:t>
-                      </a:r>
-                      <a:endParaRPr lang="en-US" sz="1400" dirty="0">
-                        <a:solidFill>
-                          <a:schemeClr val="tx1"/>
-                        </a:solidFill>
-                      </a:endParaRPr>
-                    </a:p>
-                  </a:txBody>
-                  <a:tcPr>
-                    <a:lnL w="12700" cap="flat" cmpd="sng" algn="ctr">
-                      <a:solidFill>
-                        <a:schemeClr val="tx1"/>
-                      </a:solidFill>
-                      <a:prstDash val="solid"/>
-                      <a:round/>
-                      <a:headEnd type="none" w="med" len="med"/>
-                      <a:tailEnd type="none" w="med" len="med"/>
-                    </a:lnL>
-                    <a:lnR w="12700" cap="flat" cmpd="sng" algn="ctr">
-                      <a:solidFill>
-                        <a:schemeClr val="tx1"/>
-                      </a:solidFill>
-                      <a:prstDash val="solid"/>
-                      <a:round/>
-                      <a:headEnd type="none" w="med" len="med"/>
-                      <a:tailEnd type="none" w="med" len="med"/>
-                    </a:lnR>
-                    <a:lnT w="12700" cap="flat" cmpd="sng" algn="ctr">
-                      <a:solidFill>
-                        <a:schemeClr val="tx1"/>
-                      </a:solidFill>
-                      <a:prstDash val="solid"/>
-                      <a:round/>
-                      <a:headEnd type="none" w="med" len="med"/>
-                      <a:tailEnd type="none" w="med" len="med"/>
-                    </a:lnT>
-                    <a:lnB w="12700" cap="flat" cmpd="sng" algn="ctr">
-                      <a:solidFill>
-                        <a:schemeClr val="tx1"/>
-                      </a:solidFill>
-                      <a:prstDash val="solid"/>
-                      <a:round/>
-                      <a:headEnd type="none" w="med" len="med"/>
-                      <a:tailEnd type="none" w="med" len="med"/>
-                    </a:lnB>
-                    <a:noFill/>
-                  </a:tcPr>
-                </a:tc>
-                <a:tc>
-                  <a:txBody>
-                    <a:bodyPr/>
-                    <a:lstStyle/>
-                    <a:p>
-                      <a:pPr algn="ctr"/>
-                      <a:r>
-                        <a:rPr lang="en-US" sz="1400" dirty="0" smtClean="0">
-                          <a:solidFill>
-                            <a:schemeClr val="tx1"/>
-                          </a:solidFill>
-                        </a:rPr>
-                        <a:t>32</a:t>
-                      </a:r>
-                      <a:endParaRPr lang="en-US" sz="1400" dirty="0">
-                        <a:solidFill>
-                          <a:schemeClr val="tx1"/>
-                        </a:solidFill>
-                      </a:endParaRPr>
-                    </a:p>
-                  </a:txBody>
-                  <a:tcPr>
-                    <a:lnL w="12700" cap="flat" cmpd="sng" algn="ctr">
-                      <a:solidFill>
-                        <a:schemeClr val="tx1"/>
-                      </a:solidFill>
-                      <a:prstDash val="solid"/>
-                      <a:round/>
-                      <a:headEnd type="none" w="med" len="med"/>
-                      <a:tailEnd type="none" w="med" len="med"/>
-                    </a:lnL>
-                    <a:lnR w="12700" cap="flat" cmpd="sng" algn="ctr">
-                      <a:solidFill>
-                        <a:schemeClr val="tx1"/>
-                      </a:solidFill>
-                      <a:prstDash val="solid"/>
-                      <a:round/>
-                      <a:headEnd type="none" w="med" len="med"/>
-                      <a:tailEnd type="none" w="med" len="med"/>
-                    </a:lnR>
-                    <a:lnT w="12700" cap="flat" cmpd="sng" algn="ctr">
-                      <a:solidFill>
-                        <a:schemeClr val="tx1"/>
-                      </a:solidFill>
-                      <a:prstDash val="solid"/>
-                      <a:round/>
-                      <a:headEnd type="none" w="med" len="med"/>
-                      <a:tailEnd type="none" w="med" len="med"/>
-                    </a:lnT>
-                    <a:lnB w="12700" cap="flat" cmpd="sng" algn="ctr">
-                      <a:solidFill>
-                        <a:schemeClr val="tx1"/>
-                      </a:solidFill>
-                      <a:prstDash val="solid"/>
-                      <a:round/>
-                      <a:headEnd type="none" w="med" len="med"/>
-                      <a:tailEnd type="none" w="med" len="med"/>
-                    </a:lnB>
-                    <a:noFill/>
-                  </a:tcPr>
-                </a:tc>
-                <a:tc>
-                  <a:txBody>
-                    <a:bodyPr/>
-                    <a:lstStyle/>
-                    <a:p>
-                      <a:pPr algn="ctr"/>
-                      <a:r>
-                        <a:rPr lang="en-US" sz="1400" dirty="0" smtClean="0">
-                          <a:solidFill>
-                            <a:schemeClr val="tx1"/>
-                          </a:solidFill>
-                        </a:rPr>
-                        <a:t>294</a:t>
-                      </a:r>
-                      <a:endParaRPr lang="en-US" sz="1400" dirty="0">
-                        <a:solidFill>
-                          <a:schemeClr val="tx1"/>
-                        </a:solidFill>
-                      </a:endParaRPr>
-                    </a:p>
-                  </a:txBody>
-                  <a:tcPr>
-                    <a:lnL w="12700" cap="flat" cmpd="sng" algn="ctr">
-                      <a:solidFill>
-                        <a:schemeClr val="tx1"/>
-                      </a:solidFill>
-                      <a:prstDash val="solid"/>
-                      <a:round/>
-                      <a:headEnd type="none" w="med" len="med"/>
-                      <a:tailEnd type="none" w="med" len="med"/>
-                    </a:lnL>
-                    <a:lnR w="12700" cap="flat" cmpd="sng" algn="ctr">
-                      <a:solidFill>
-                        <a:schemeClr val="tx1"/>
-                      </a:solidFill>
-                      <a:prstDash val="solid"/>
-                      <a:round/>
-                      <a:headEnd type="none" w="med" len="med"/>
-                      <a:tailEnd type="none" w="med" len="med"/>
-                    </a:lnR>
-                    <a:lnT w="12700" cap="flat" cmpd="sng" algn="ctr">
-                      <a:solidFill>
-                        <a:schemeClr val="tx1"/>
-                      </a:solidFill>
-                      <a:prstDash val="solid"/>
-                      <a:round/>
-                      <a:headEnd type="none" w="med" len="med"/>
-                      <a:tailEnd type="none" w="med" len="med"/>
-                    </a:lnT>
-                    <a:lnB w="12700" cap="flat" cmpd="sng" algn="ctr">
-                      <a:solidFill>
-                        <a:schemeClr val="tx1"/>
-                      </a:solidFill>
-                      <a:prstDash val="solid"/>
-                      <a:round/>
-                      <a:headEnd type="none" w="med" len="med"/>
-                      <a:tailEnd type="none" w="med" len="med"/>
-                    </a:lnB>
-                    <a:noFill/>
-                  </a:tcPr>
-                </a:tc>
-                <a:tc>
-                  <a:txBody>
-                    <a:bodyPr/>
-                    <a:lstStyle/>
-                    <a:p>
-                      <a:pPr algn="ctr"/>
-                      <a:r>
-                        <a:rPr lang="en-US" sz="1400" dirty="0" smtClean="0">
-                          <a:solidFill>
-                            <a:schemeClr val="tx1"/>
-                          </a:solidFill>
-                        </a:rPr>
-                        <a:t>0</a:t>
-                      </a:r>
-                      <a:endParaRPr lang="en-US" sz="1400" dirty="0">
-                        <a:solidFill>
-                          <a:schemeClr val="tx1"/>
-                        </a:solidFill>
-                      </a:endParaRPr>
-                    </a:p>
-                  </a:txBody>
-                  <a:tcPr>
-                    <a:lnL w="12700" cap="flat" cmpd="sng" algn="ctr">
-                      <a:solidFill>
-                        <a:schemeClr val="tx1"/>
-                      </a:solidFill>
-                      <a:prstDash val="solid"/>
-                      <a:round/>
-                      <a:headEnd type="none" w="med" len="med"/>
-                      <a:tailEnd type="none" w="med" len="med"/>
-                    </a:lnL>
-                    <a:lnR w="12700" cap="flat" cmpd="sng" algn="ctr">
-                      <a:solidFill>
-                        <a:schemeClr val="tx1"/>
-                      </a:solidFill>
-                      <a:prstDash val="solid"/>
-                      <a:round/>
-                      <a:headEnd type="none" w="med" len="med"/>
-                      <a:tailEnd type="none" w="med" len="med"/>
-                    </a:lnR>
-                    <a:lnT w="12700" cap="flat" cmpd="sng" algn="ctr">
-                      <a:solidFill>
-                        <a:schemeClr val="tx1"/>
-                      </a:solidFill>
-                      <a:prstDash val="solid"/>
-                      <a:round/>
-                      <a:headEnd type="none" w="med" len="med"/>
-                      <a:tailEnd type="none" w="med" len="med"/>
-                    </a:lnT>
-                    <a:lnB w="12700" cap="flat" cmpd="sng" algn="ctr">
-                      <a:solidFill>
-                        <a:schemeClr val="tx1"/>
-                      </a:solidFill>
-                      <a:prstDash val="solid"/>
-                      <a:round/>
-                      <a:headEnd type="none" w="med" len="med"/>
-                      <a:tailEnd type="none" w="med" len="med"/>
-                    </a:lnB>
-                    <a:noFill/>
-                  </a:tcPr>
-                </a:tc>
-              </a:tr>
-              <a:tr h="313203">
-                <a:tc>
-                  <a:txBody>
-                    <a:bodyPr/>
-                    <a:lstStyle/>
-                    <a:p>
-                      <a:pPr algn="ctr"/>
-                      <a:r>
-                        <a:rPr lang="en-US" sz="1400" dirty="0" smtClean="0">
-                          <a:solidFill>
-                            <a:schemeClr val="tx1"/>
-                          </a:solidFill>
-                        </a:rPr>
-                        <a:t>4</a:t>
-                      </a:r>
-                      <a:endParaRPr lang="en-US" sz="1400" dirty="0">
-                        <a:solidFill>
-                          <a:schemeClr val="tx1"/>
-                        </a:solidFill>
-                      </a:endParaRPr>
-                    </a:p>
-                  </a:txBody>
-                  <a:tcPr>
-                    <a:lnL w="12700" cap="flat" cmpd="sng" algn="ctr">
-                      <a:solidFill>
-                        <a:schemeClr val="tx1"/>
-                      </a:solidFill>
-                      <a:prstDash val="solid"/>
-                      <a:round/>
-                      <a:headEnd type="none" w="med" len="med"/>
-                      <a:tailEnd type="none" w="med" len="med"/>
-                    </a:lnL>
-                    <a:lnR w="12700" cap="flat" cmpd="sng" algn="ctr">
-                      <a:solidFill>
-                        <a:schemeClr val="tx1"/>
-                      </a:solidFill>
-                      <a:prstDash val="solid"/>
-                      <a:round/>
-                      <a:headEnd type="none" w="med" len="med"/>
-                      <a:tailEnd type="none" w="med" len="med"/>
-                    </a:lnR>
-                    <a:lnT w="12700" cap="flat" cmpd="sng" algn="ctr">
-                      <a:solidFill>
-                        <a:schemeClr val="tx1"/>
-                      </a:solidFill>
-                      <a:prstDash val="solid"/>
-                      <a:round/>
-                      <a:headEnd type="none" w="med" len="med"/>
-                      <a:tailEnd type="none" w="med" len="med"/>
-                    </a:lnT>
-                    <a:lnB w="12700" cap="flat" cmpd="sng" algn="ctr">
-                      <a:solidFill>
-                        <a:schemeClr val="tx1"/>
-                      </a:solidFill>
-                      <a:prstDash val="solid"/>
-                      <a:round/>
-                      <a:headEnd type="none" w="med" len="med"/>
-                      <a:tailEnd type="none" w="med" len="med"/>
-                    </a:lnB>
-                    <a:noFill/>
-                  </a:tcPr>
-                </a:tc>
-                <a:tc>
-                  <a:txBody>
-                    <a:bodyPr/>
-                    <a:lstStyle/>
-                    <a:p>
-                      <a:pPr algn="ctr"/>
-                      <a:r>
-                        <a:rPr lang="en-US" sz="1400" dirty="0" smtClean="0">
-                          <a:solidFill>
                             <a:schemeClr val="accent5">
                               <a:lumMod val="75000"/>
                             </a:schemeClr>
                           </a:solidFill>
                         </a:rPr>
-                        <a:t>2</a:t>
+                        <a:t>3</a:t>
                       </a:r>
                       <a:endParaRPr lang="en-US" sz="1400" dirty="0">
                         <a:solidFill>
                           <a:schemeClr val="accent5">
                             <a:lumMod val="75000"/>
                           </a:schemeClr>
-                        </a:solidFill>
-                      </a:endParaRPr>
-                    </a:p>
-                  </a:txBody>
-                  <a:tcPr>
-                    <a:lnL w="12700" cap="flat" cmpd="sng" algn="ctr">
-                      <a:solidFill>
-                        <a:schemeClr val="tx1"/>
-                      </a:solidFill>
-                      <a:prstDash val="solid"/>
-                      <a:round/>
-                      <a:headEnd type="none" w="med" len="med"/>
-                      <a:tailEnd type="none" w="med" len="med"/>
-                    </a:lnL>
-                    <a:lnR w="12700" cap="flat" cmpd="sng" algn="ctr">
-                      <a:solidFill>
-                        <a:schemeClr val="tx1"/>
-                      </a:solidFill>
-                      <a:prstDash val="solid"/>
-                      <a:round/>
-                      <a:headEnd type="none" w="med" len="med"/>
-                      <a:tailEnd type="none" w="med" len="med"/>
-                    </a:lnR>
-                    <a:lnT w="12700" cap="flat" cmpd="sng" algn="ctr">
-                      <a:solidFill>
-                        <a:schemeClr val="tx1"/>
-                      </a:solidFill>
-                      <a:prstDash val="solid"/>
-                      <a:round/>
-                      <a:headEnd type="none" w="med" len="med"/>
-                      <a:tailEnd type="none" w="med" len="med"/>
-                    </a:lnT>
-                    <a:lnB w="12700" cap="flat" cmpd="sng" algn="ctr">
-                      <a:solidFill>
-                        <a:schemeClr val="tx1"/>
-                      </a:solidFill>
-                      <a:prstDash val="solid"/>
-                      <a:round/>
-                      <a:headEnd type="none" w="med" len="med"/>
-                      <a:tailEnd type="none" w="med" len="med"/>
-                    </a:lnB>
-                    <a:noFill/>
-                  </a:tcPr>
-                </a:tc>
-                <a:tc>
-                  <a:txBody>
-                    <a:bodyPr/>
-                    <a:lstStyle/>
-                    <a:p>
-                      <a:pPr algn="ctr"/>
-                      <a:r>
-                        <a:rPr lang="en-US" sz="1400" dirty="0" smtClean="0">
-                          <a:solidFill>
-                            <a:schemeClr val="accent5">
-                              <a:lumMod val="75000"/>
-                            </a:schemeClr>
-                          </a:solidFill>
-                        </a:rPr>
-                        <a:t>15</a:t>
-                      </a:r>
-                      <a:endParaRPr lang="en-US" sz="1400" dirty="0">
-                        <a:solidFill>
-                          <a:schemeClr val="accent5">
-                            <a:lumMod val="75000"/>
-                          </a:schemeClr>
-                        </a:solidFill>
-                      </a:endParaRPr>
-                    </a:p>
-                  </a:txBody>
-                  <a:tcPr>
-                    <a:lnL w="12700" cap="flat" cmpd="sng" algn="ctr">
-                      <a:solidFill>
-                        <a:schemeClr val="tx1"/>
-                      </a:solidFill>
-                      <a:prstDash val="solid"/>
-                      <a:round/>
-                      <a:headEnd type="none" w="med" len="med"/>
-                      <a:tailEnd type="none" w="med" len="med"/>
-                    </a:lnL>
-                    <a:lnR w="12700" cap="flat" cmpd="sng" algn="ctr">
-                      <a:solidFill>
-                        <a:schemeClr val="tx1"/>
-                      </a:solidFill>
-                      <a:prstDash val="solid"/>
-                      <a:round/>
-                      <a:headEnd type="none" w="med" len="med"/>
-                      <a:tailEnd type="none" w="med" len="med"/>
-                    </a:lnR>
-                    <a:lnT w="12700" cap="flat" cmpd="sng" algn="ctr">
-                      <a:solidFill>
-                        <a:schemeClr val="tx1"/>
-                      </a:solidFill>
-                      <a:prstDash val="solid"/>
-                      <a:round/>
-                      <a:headEnd type="none" w="med" len="med"/>
-                      <a:tailEnd type="none" w="med" len="med"/>
-                    </a:lnT>
-                    <a:lnB w="12700" cap="flat" cmpd="sng" algn="ctr">
-                      <a:solidFill>
-                        <a:schemeClr val="tx1"/>
-                      </a:solidFill>
-                      <a:prstDash val="solid"/>
-                      <a:round/>
-                      <a:headEnd type="none" w="med" len="med"/>
-                      <a:tailEnd type="none" w="med" len="med"/>
-                    </a:lnB>
-                    <a:noFill/>
-                  </a:tcPr>
-                </a:tc>
-                <a:tc>
-                  <a:txBody>
-                    <a:bodyPr/>
-                    <a:lstStyle/>
-                    <a:p>
-                      <a:pPr algn="ctr"/>
-                      <a:r>
-                        <a:rPr lang="en-US" sz="1400" dirty="0" smtClean="0">
-                          <a:solidFill>
-                            <a:schemeClr val="accent5">
-                              <a:lumMod val="75000"/>
-                            </a:schemeClr>
-                          </a:solidFill>
-                        </a:rPr>
-                        <a:t>25</a:t>
-                      </a:r>
-                      <a:endParaRPr lang="en-US" sz="1400" dirty="0">
-                        <a:solidFill>
-                          <a:schemeClr val="accent5">
-                            <a:lumMod val="75000"/>
-                          </a:schemeClr>
-                        </a:solidFill>
-                      </a:endParaRPr>
-                    </a:p>
-                  </a:txBody>
-                  <a:tcPr>
-                    <a:lnL w="12700" cap="flat" cmpd="sng" algn="ctr">
-                      <a:solidFill>
-                        <a:schemeClr val="tx1"/>
-                      </a:solidFill>
-                      <a:prstDash val="solid"/>
-                      <a:round/>
-                      <a:headEnd type="none" w="med" len="med"/>
-                      <a:tailEnd type="none" w="med" len="med"/>
-                    </a:lnL>
-                    <a:lnR w="12700" cap="flat" cmpd="sng" algn="ctr">
-                      <a:solidFill>
-                        <a:schemeClr val="tx1"/>
-                      </a:solidFill>
-                      <a:prstDash val="solid"/>
-                      <a:round/>
-                      <a:headEnd type="none" w="med" len="med"/>
-                      <a:tailEnd type="none" w="med" len="med"/>
-                    </a:lnR>
-                    <a:lnT w="12700" cap="flat" cmpd="sng" algn="ctr">
-                      <a:solidFill>
-                        <a:schemeClr val="tx1"/>
-                      </a:solidFill>
-                      <a:prstDash val="solid"/>
-                      <a:round/>
-                      <a:headEnd type="none" w="med" len="med"/>
-                      <a:tailEnd type="none" w="med" len="med"/>
-                    </a:lnT>
-                    <a:lnB w="12700" cap="flat" cmpd="sng" algn="ctr">
-                      <a:solidFill>
-                        <a:schemeClr val="tx1"/>
-                      </a:solidFill>
-                      <a:prstDash val="solid"/>
-                      <a:round/>
-                      <a:headEnd type="none" w="med" len="med"/>
-                      <a:tailEnd type="none" w="med" len="med"/>
-                    </a:lnB>
-                    <a:noFill/>
-                  </a:tcPr>
-                </a:tc>
-                <a:tc>
-                  <a:txBody>
-                    <a:bodyPr/>
-                    <a:lstStyle/>
-                    <a:p>
-                      <a:pPr algn="ctr"/>
-                      <a:r>
-                        <a:rPr lang="en-US" sz="1400" dirty="0" smtClean="0">
-                          <a:solidFill>
-                            <a:schemeClr val="accent5">
-                              <a:lumMod val="75000"/>
-                            </a:schemeClr>
-                          </a:solidFill>
-                        </a:rPr>
-                        <a:t>1</a:t>
-                      </a:r>
-                      <a:endParaRPr lang="en-US" sz="1400" dirty="0">
-                        <a:solidFill>
-                          <a:schemeClr val="accent5">
-                            <a:lumMod val="75000"/>
-                          </a:schemeClr>
-                        </a:solidFill>
-                      </a:endParaRPr>
-                    </a:p>
-                  </a:txBody>
-                  <a:tcPr>
-                    <a:lnL w="12700" cap="flat" cmpd="sng" algn="ctr">
-                      <a:solidFill>
-                        <a:schemeClr val="tx1"/>
-                      </a:solidFill>
-                      <a:prstDash val="solid"/>
-                      <a:round/>
-                      <a:headEnd type="none" w="med" len="med"/>
-                      <a:tailEnd type="none" w="med" len="med"/>
-                    </a:lnL>
-                    <a:lnR w="12700" cap="flat" cmpd="sng" algn="ctr">
-                      <a:solidFill>
-                        <a:schemeClr val="tx1"/>
-                      </a:solidFill>
-                      <a:prstDash val="solid"/>
-                      <a:round/>
-                      <a:headEnd type="none" w="med" len="med"/>
-                      <a:tailEnd type="none" w="med" len="med"/>
-                    </a:lnR>
-                    <a:lnT w="12700" cap="flat" cmpd="sng" algn="ctr">
-                      <a:solidFill>
-                        <a:schemeClr val="tx1"/>
-                      </a:solidFill>
-                      <a:prstDash val="solid"/>
-                      <a:round/>
-                      <a:headEnd type="none" w="med" len="med"/>
-                      <a:tailEnd type="none" w="med" len="med"/>
-                    </a:lnT>
-                    <a:lnB w="12700" cap="flat" cmpd="sng" algn="ctr">
-                      <a:solidFill>
-                        <a:schemeClr val="tx1"/>
-                      </a:solidFill>
-                      <a:prstDash val="solid"/>
-                      <a:round/>
-                      <a:headEnd type="none" w="med" len="med"/>
-                      <a:tailEnd type="none" w="med" len="med"/>
-                    </a:lnB>
-                    <a:noFill/>
-                  </a:tcPr>
-                </a:tc>
-              </a:tr>
-            </a:tbl>
-          </a:graphicData>
-        </a:graphic>
-      </p:graphicFrame>
-      <p:sp>
-        <p:nvSpPr>
-          <p:cNvPr id="16" name="TextBox 15"/>
-          <p:cNvSpPr txBox="1"/>
-          <p:nvPr/>
-        </p:nvSpPr>
-        <p:spPr>
-          <a:xfrm>
-            <a:off x="6382841" y="4261711"/>
-            <a:ext cx="2440547" cy="292388"/>
-          </a:xfrm>
-          <a:prstGeom prst="rect">
-            <a:avLst/>
-          </a:prstGeom>
-          <a:noFill/>
-        </p:spPr>
-        <p:txBody>
-          <a:bodyPr wrap="square" rtlCol="0">
-            <a:spAutoFit/>
-          </a:bodyPr>
-          <a:lstStyle/>
-          <a:p>
-            <a:pPr algn="ctr"/>
-            <a:r>
-              <a:rPr lang="en-US" sz="1300" dirty="0" smtClean="0"/>
-              <a:t>Confusion Matrix (test data)</a:t>
-            </a:r>
-            <a:endParaRPr lang="en-US" sz="1300" dirty="0"/>
-          </a:p>
-        </p:txBody>
-      </p:sp>
-      <p:graphicFrame>
-        <p:nvGraphicFramePr>
-          <p:cNvPr id="17" name="Table 16"/>
-          <p:cNvGraphicFramePr>
-            <a:graphicFrameLocks noGrp="1"/>
-          </p:cNvGraphicFramePr>
-          <p:nvPr>
-            <p:extLst>
-              <p:ext uri="{D42A27DB-BD31-4B8C-83A1-F6EECF244321}">
-                <p14:modId xmlns:p14="http://schemas.microsoft.com/office/powerpoint/2010/main" val="1913965652"/>
-              </p:ext>
-            </p:extLst>
-          </p:nvPr>
-        </p:nvGraphicFramePr>
-        <p:xfrm>
-          <a:off x="6475530" y="4607682"/>
-          <a:ext cx="2255171" cy="1566015"/>
-        </p:xfrm>
-        <a:graphic>
-          <a:graphicData uri="http://schemas.openxmlformats.org/drawingml/2006/table">
-            <a:tbl>
-              <a:tblPr firstRow="1" bandRow="1">
-                <a:tableStyleId>{5C22544A-7EE6-4342-B048-85BDC9FD1C3A}</a:tableStyleId>
-              </a:tblPr>
-              <a:tblGrid>
-                <a:gridCol w="321835"/>
-                <a:gridCol w="483334"/>
-                <a:gridCol w="483334"/>
-                <a:gridCol w="483334"/>
-                <a:gridCol w="483334"/>
-              </a:tblGrid>
-              <a:tr h="313203">
-                <a:tc>
-                  <a:txBody>
-                    <a:bodyPr/>
-                    <a:lstStyle/>
-                    <a:p>
-                      <a:pPr algn="ctr"/>
-                      <a:endParaRPr lang="en-US" sz="1400" dirty="0">
-                        <a:solidFill>
-                          <a:schemeClr val="tx1"/>
-                        </a:solidFill>
-                      </a:endParaRPr>
-                    </a:p>
-                  </a:txBody>
-                  <a:tcPr>
-                    <a:lnL w="12700" cap="flat" cmpd="sng" algn="ctr">
-                      <a:solidFill>
-                        <a:schemeClr val="tx1"/>
-                      </a:solidFill>
-                      <a:prstDash val="solid"/>
-                      <a:round/>
-                      <a:headEnd type="none" w="med" len="med"/>
-                      <a:tailEnd type="none" w="med" len="med"/>
-                    </a:lnL>
-                    <a:lnR w="12700" cap="flat" cmpd="sng" algn="ctr">
-                      <a:solidFill>
-                        <a:schemeClr val="tx1"/>
-                      </a:solidFill>
-                      <a:prstDash val="solid"/>
-                      <a:round/>
-                      <a:headEnd type="none" w="med" len="med"/>
-                      <a:tailEnd type="none" w="med" len="med"/>
-                    </a:lnR>
-                    <a:lnT w="12700" cap="flat" cmpd="sng" algn="ctr">
-                      <a:solidFill>
-                        <a:schemeClr val="tx1"/>
-                      </a:solidFill>
-                      <a:prstDash val="solid"/>
-                      <a:round/>
-                      <a:headEnd type="none" w="med" len="med"/>
-                      <a:tailEnd type="none" w="med" len="med"/>
-                    </a:lnT>
-                    <a:lnB w="12700" cap="flat" cmpd="sng" algn="ctr">
-                      <a:solidFill>
-                        <a:schemeClr val="tx1"/>
-                      </a:solidFill>
-                      <a:prstDash val="solid"/>
-                      <a:round/>
-                      <a:headEnd type="none" w="med" len="med"/>
-                      <a:tailEnd type="none" w="med" len="med"/>
-                    </a:lnB>
-                    <a:noFill/>
-                  </a:tcPr>
-                </a:tc>
-                <a:tc>
-                  <a:txBody>
-                    <a:bodyPr/>
-                    <a:lstStyle/>
-                    <a:p>
-                      <a:pPr algn="ctr"/>
-                      <a:r>
-                        <a:rPr lang="en-US" sz="1400" dirty="0" smtClean="0">
-                          <a:solidFill>
-                            <a:schemeClr val="tx1"/>
-                          </a:solidFill>
-                        </a:rPr>
-                        <a:t>1</a:t>
-                      </a:r>
-                      <a:endParaRPr lang="en-US" sz="1400" dirty="0">
-                        <a:solidFill>
-                          <a:schemeClr val="tx1"/>
-                        </a:solidFill>
-                      </a:endParaRPr>
-                    </a:p>
-                  </a:txBody>
-                  <a:tcPr>
-                    <a:lnL w="12700" cap="flat" cmpd="sng" algn="ctr">
-                      <a:solidFill>
-                        <a:schemeClr val="tx1"/>
-                      </a:solidFill>
-                      <a:prstDash val="solid"/>
-                      <a:round/>
-                      <a:headEnd type="none" w="med" len="med"/>
-                      <a:tailEnd type="none" w="med" len="med"/>
-                    </a:lnL>
-                    <a:lnR w="12700" cap="flat" cmpd="sng" algn="ctr">
-                      <a:solidFill>
-                        <a:schemeClr val="tx1"/>
-                      </a:solidFill>
-                      <a:prstDash val="solid"/>
-                      <a:round/>
-                      <a:headEnd type="none" w="med" len="med"/>
-                      <a:tailEnd type="none" w="med" len="med"/>
-                    </a:lnR>
-                    <a:lnT w="12700" cap="flat" cmpd="sng" algn="ctr">
-                      <a:solidFill>
-                        <a:schemeClr val="tx1"/>
-                      </a:solidFill>
-                      <a:prstDash val="solid"/>
-                      <a:round/>
-                      <a:headEnd type="none" w="med" len="med"/>
-                      <a:tailEnd type="none" w="med" len="med"/>
-                    </a:lnT>
-                    <a:lnB w="12700" cap="flat" cmpd="sng" algn="ctr">
-                      <a:solidFill>
-                        <a:schemeClr val="tx1"/>
-                      </a:solidFill>
-                      <a:prstDash val="solid"/>
-                      <a:round/>
-                      <a:headEnd type="none" w="med" len="med"/>
-                      <a:tailEnd type="none" w="med" len="med"/>
-                    </a:lnB>
-                    <a:noFill/>
-                  </a:tcPr>
-                </a:tc>
-                <a:tc>
-                  <a:txBody>
-                    <a:bodyPr/>
-                    <a:lstStyle/>
-                    <a:p>
-                      <a:pPr algn="ctr"/>
-                      <a:r>
-                        <a:rPr lang="en-US" sz="1400" dirty="0" smtClean="0">
-                          <a:solidFill>
-                            <a:schemeClr val="tx1"/>
-                          </a:solidFill>
-                        </a:rPr>
-                        <a:t>2</a:t>
-                      </a:r>
-                      <a:endParaRPr lang="en-US" sz="1400" dirty="0">
-                        <a:solidFill>
-                          <a:schemeClr val="tx1"/>
-                        </a:solidFill>
-                      </a:endParaRPr>
-                    </a:p>
-                  </a:txBody>
-                  <a:tcPr>
-                    <a:lnL w="12700" cap="flat" cmpd="sng" algn="ctr">
-                      <a:solidFill>
-                        <a:schemeClr val="tx1"/>
-                      </a:solidFill>
-                      <a:prstDash val="solid"/>
-                      <a:round/>
-                      <a:headEnd type="none" w="med" len="med"/>
-                      <a:tailEnd type="none" w="med" len="med"/>
-                    </a:lnL>
-                    <a:lnR w="12700" cap="flat" cmpd="sng" algn="ctr">
-                      <a:solidFill>
-                        <a:schemeClr val="tx1"/>
-                      </a:solidFill>
-                      <a:prstDash val="solid"/>
-                      <a:round/>
-                      <a:headEnd type="none" w="med" len="med"/>
-                      <a:tailEnd type="none" w="med" len="med"/>
-                    </a:lnR>
-                    <a:lnT w="12700" cap="flat" cmpd="sng" algn="ctr">
-                      <a:solidFill>
-                        <a:schemeClr val="tx1"/>
-                      </a:solidFill>
-                      <a:prstDash val="solid"/>
-                      <a:round/>
-                      <a:headEnd type="none" w="med" len="med"/>
-                      <a:tailEnd type="none" w="med" len="med"/>
-                    </a:lnT>
-                    <a:lnB w="12700" cap="flat" cmpd="sng" algn="ctr">
-                      <a:solidFill>
-                        <a:schemeClr val="tx1"/>
-                      </a:solidFill>
-                      <a:prstDash val="solid"/>
-                      <a:round/>
-                      <a:headEnd type="none" w="med" len="med"/>
-                      <a:tailEnd type="none" w="med" len="med"/>
-                    </a:lnB>
-                    <a:noFill/>
-                  </a:tcPr>
-                </a:tc>
-                <a:tc>
-                  <a:txBody>
-                    <a:bodyPr/>
-                    <a:lstStyle/>
-                    <a:p>
-                      <a:pPr algn="ctr"/>
-                      <a:r>
-                        <a:rPr lang="en-US" sz="1400" dirty="0" smtClean="0">
-                          <a:solidFill>
-                            <a:schemeClr val="tx1"/>
-                          </a:solidFill>
-                        </a:rPr>
-                        <a:t>3</a:t>
-                      </a:r>
-                      <a:endParaRPr lang="en-US" sz="1400" dirty="0">
-                        <a:solidFill>
-                          <a:schemeClr val="tx1"/>
-                        </a:solidFill>
-                      </a:endParaRPr>
-                    </a:p>
-                  </a:txBody>
-                  <a:tcPr>
-                    <a:lnL w="12700" cap="flat" cmpd="sng" algn="ctr">
-                      <a:solidFill>
-                        <a:schemeClr val="tx1"/>
-                      </a:solidFill>
-                      <a:prstDash val="solid"/>
-                      <a:round/>
-                      <a:headEnd type="none" w="med" len="med"/>
-                      <a:tailEnd type="none" w="med" len="med"/>
-                    </a:lnL>
-                    <a:lnR w="12700" cap="flat" cmpd="sng" algn="ctr">
-                      <a:solidFill>
-                        <a:schemeClr val="tx1"/>
-                      </a:solidFill>
-                      <a:prstDash val="solid"/>
-                      <a:round/>
-                      <a:headEnd type="none" w="med" len="med"/>
-                      <a:tailEnd type="none" w="med" len="med"/>
-                    </a:lnR>
-                    <a:lnT w="12700" cap="flat" cmpd="sng" algn="ctr">
-                      <a:solidFill>
-                        <a:schemeClr val="tx1"/>
-                      </a:solidFill>
-                      <a:prstDash val="solid"/>
-                      <a:round/>
-                      <a:headEnd type="none" w="med" len="med"/>
-                      <a:tailEnd type="none" w="med" len="med"/>
-                    </a:lnT>
-                    <a:lnB w="12700" cap="flat" cmpd="sng" algn="ctr">
-                      <a:solidFill>
-                        <a:schemeClr val="tx1"/>
-                      </a:solidFill>
-                      <a:prstDash val="solid"/>
-                      <a:round/>
-                      <a:headEnd type="none" w="med" len="med"/>
-                      <a:tailEnd type="none" w="med" len="med"/>
-                    </a:lnB>
-                    <a:noFill/>
-                  </a:tcPr>
-                </a:tc>
-                <a:tc>
-                  <a:txBody>
-                    <a:bodyPr/>
-                    <a:lstStyle/>
-                    <a:p>
-                      <a:pPr algn="ctr"/>
-                      <a:r>
-                        <a:rPr lang="en-US" sz="1400" dirty="0" smtClean="0">
-                          <a:solidFill>
-                            <a:schemeClr val="tx1"/>
-                          </a:solidFill>
-                        </a:rPr>
-                        <a:t>4</a:t>
-                      </a:r>
-                      <a:endParaRPr lang="en-US" sz="1400" dirty="0">
-                        <a:solidFill>
-                          <a:schemeClr val="tx1"/>
-                        </a:solidFill>
-                      </a:endParaRPr>
-                    </a:p>
-                  </a:txBody>
-                  <a:tcPr>
-                    <a:lnL w="12700" cap="flat" cmpd="sng" algn="ctr">
-                      <a:solidFill>
-                        <a:schemeClr val="tx1"/>
-                      </a:solidFill>
-                      <a:prstDash val="solid"/>
-                      <a:round/>
-                      <a:headEnd type="none" w="med" len="med"/>
-                      <a:tailEnd type="none" w="med" len="med"/>
-                    </a:lnL>
-                    <a:lnR w="12700" cap="flat" cmpd="sng" algn="ctr">
-                      <a:solidFill>
-                        <a:schemeClr val="tx1"/>
-                      </a:solidFill>
-                      <a:prstDash val="solid"/>
-                      <a:round/>
-                      <a:headEnd type="none" w="med" len="med"/>
-                      <a:tailEnd type="none" w="med" len="med"/>
-                    </a:lnR>
-                    <a:lnT w="12700" cap="flat" cmpd="sng" algn="ctr">
-                      <a:solidFill>
-                        <a:schemeClr val="tx1"/>
-                      </a:solidFill>
-                      <a:prstDash val="solid"/>
-                      <a:round/>
-                      <a:headEnd type="none" w="med" len="med"/>
-                      <a:tailEnd type="none" w="med" len="med"/>
-                    </a:lnT>
-                    <a:lnB w="12700" cap="flat" cmpd="sng" algn="ctr">
-                      <a:solidFill>
-                        <a:schemeClr val="tx1"/>
-                      </a:solidFill>
-                      <a:prstDash val="solid"/>
-                      <a:round/>
-                      <a:headEnd type="none" w="med" len="med"/>
-                      <a:tailEnd type="none" w="med" len="med"/>
-                    </a:lnB>
-                    <a:noFill/>
-                  </a:tcPr>
-                </a:tc>
-              </a:tr>
-              <a:tr h="313203">
-                <a:tc>
-                  <a:txBody>
-                    <a:bodyPr/>
-                    <a:lstStyle/>
-                    <a:p>
-                      <a:pPr algn="ctr"/>
-                      <a:r>
-                        <a:rPr lang="en-US" sz="1400" dirty="0" smtClean="0">
-                          <a:solidFill>
-                            <a:schemeClr val="tx1"/>
-                          </a:solidFill>
-                        </a:rPr>
-                        <a:t>1</a:t>
-                      </a:r>
-                      <a:endParaRPr lang="en-US" sz="1400" dirty="0">
-                        <a:solidFill>
-                          <a:schemeClr val="tx1"/>
-                        </a:solidFill>
-                      </a:endParaRPr>
-                    </a:p>
-                  </a:txBody>
-                  <a:tcPr>
-                    <a:lnL w="12700" cap="flat" cmpd="sng" algn="ctr">
-                      <a:solidFill>
-                        <a:schemeClr val="tx1"/>
-                      </a:solidFill>
-                      <a:prstDash val="solid"/>
-                      <a:round/>
-                      <a:headEnd type="none" w="med" len="med"/>
-                      <a:tailEnd type="none" w="med" len="med"/>
-                    </a:lnL>
-                    <a:lnR w="12700" cap="flat" cmpd="sng" algn="ctr">
-                      <a:solidFill>
-                        <a:schemeClr val="tx1"/>
-                      </a:solidFill>
-                      <a:prstDash val="solid"/>
-                      <a:round/>
-                      <a:headEnd type="none" w="med" len="med"/>
-                      <a:tailEnd type="none" w="med" len="med"/>
-                    </a:lnR>
-                    <a:lnT w="12700" cap="flat" cmpd="sng" algn="ctr">
-                      <a:solidFill>
-                        <a:schemeClr val="tx1"/>
-                      </a:solidFill>
-                      <a:prstDash val="solid"/>
-                      <a:round/>
-                      <a:headEnd type="none" w="med" len="med"/>
-                      <a:tailEnd type="none" w="med" len="med"/>
-                    </a:lnT>
-                    <a:lnB w="12700" cap="flat" cmpd="sng" algn="ctr">
-                      <a:solidFill>
-                        <a:schemeClr val="tx1"/>
-                      </a:solidFill>
-                      <a:prstDash val="solid"/>
-                      <a:round/>
-                      <a:headEnd type="none" w="med" len="med"/>
-                      <a:tailEnd type="none" w="med" len="med"/>
-                    </a:lnB>
-                    <a:noFill/>
-                  </a:tcPr>
-                </a:tc>
-                <a:tc>
-                  <a:txBody>
-                    <a:bodyPr/>
-                    <a:lstStyle/>
-                    <a:p>
-                      <a:pPr algn="ctr"/>
-                      <a:r>
-                        <a:rPr lang="en-US" sz="1400" dirty="0" smtClean="0">
-                          <a:solidFill>
-                            <a:schemeClr val="tx1"/>
-                          </a:solidFill>
-                        </a:rPr>
-                        <a:t>144</a:t>
-                      </a:r>
-                      <a:endParaRPr lang="en-US" sz="1400" dirty="0">
-                        <a:solidFill>
-                          <a:schemeClr val="tx1"/>
-                        </a:solidFill>
-                      </a:endParaRPr>
-                    </a:p>
-                  </a:txBody>
-                  <a:tcPr>
-                    <a:lnL w="12700" cap="flat" cmpd="sng" algn="ctr">
-                      <a:solidFill>
-                        <a:schemeClr val="tx1"/>
-                      </a:solidFill>
-                      <a:prstDash val="solid"/>
-                      <a:round/>
-                      <a:headEnd type="none" w="med" len="med"/>
-                      <a:tailEnd type="none" w="med" len="med"/>
-                    </a:lnL>
-                    <a:lnR w="12700" cap="flat" cmpd="sng" algn="ctr">
-                      <a:solidFill>
-                        <a:schemeClr val="tx1"/>
-                      </a:solidFill>
-                      <a:prstDash val="solid"/>
-                      <a:round/>
-                      <a:headEnd type="none" w="med" len="med"/>
-                      <a:tailEnd type="none" w="med" len="med"/>
-                    </a:lnR>
-                    <a:lnT w="12700" cap="flat" cmpd="sng" algn="ctr">
-                      <a:solidFill>
-                        <a:schemeClr val="tx1"/>
-                      </a:solidFill>
-                      <a:prstDash val="solid"/>
-                      <a:round/>
-                      <a:headEnd type="none" w="med" len="med"/>
-                      <a:tailEnd type="none" w="med" len="med"/>
-                    </a:lnT>
-                    <a:lnB w="12700" cap="flat" cmpd="sng" algn="ctr">
-                      <a:solidFill>
-                        <a:schemeClr val="tx1"/>
-                      </a:solidFill>
-                      <a:prstDash val="solid"/>
-                      <a:round/>
-                      <a:headEnd type="none" w="med" len="med"/>
-                      <a:tailEnd type="none" w="med" len="med"/>
-                    </a:lnB>
-                    <a:noFill/>
-                  </a:tcPr>
-                </a:tc>
-                <a:tc>
-                  <a:txBody>
-                    <a:bodyPr/>
-                    <a:lstStyle/>
-                    <a:p>
-                      <a:pPr algn="ctr"/>
-                      <a:r>
-                        <a:rPr lang="en-US" sz="1400" dirty="0" smtClean="0">
-                          <a:solidFill>
-                            <a:schemeClr val="tx1"/>
-                          </a:solidFill>
-                        </a:rPr>
-                        <a:t>3</a:t>
-                      </a:r>
-                      <a:endParaRPr lang="en-US" sz="1400" dirty="0">
-                        <a:solidFill>
-                          <a:schemeClr val="tx1"/>
-                        </a:solidFill>
-                      </a:endParaRPr>
-                    </a:p>
-                  </a:txBody>
-                  <a:tcPr>
-                    <a:lnL w="12700" cap="flat" cmpd="sng" algn="ctr">
-                      <a:solidFill>
-                        <a:schemeClr val="tx1"/>
-                      </a:solidFill>
-                      <a:prstDash val="solid"/>
-                      <a:round/>
-                      <a:headEnd type="none" w="med" len="med"/>
-                      <a:tailEnd type="none" w="med" len="med"/>
-                    </a:lnL>
-                    <a:lnR w="12700" cap="flat" cmpd="sng" algn="ctr">
-                      <a:solidFill>
-                        <a:schemeClr val="tx1"/>
-                      </a:solidFill>
-                      <a:prstDash val="solid"/>
-                      <a:round/>
-                      <a:headEnd type="none" w="med" len="med"/>
-                      <a:tailEnd type="none" w="med" len="med"/>
-                    </a:lnR>
-                    <a:lnT w="12700" cap="flat" cmpd="sng" algn="ctr">
-                      <a:solidFill>
-                        <a:schemeClr val="tx1"/>
-                      </a:solidFill>
-                      <a:prstDash val="solid"/>
-                      <a:round/>
-                      <a:headEnd type="none" w="med" len="med"/>
-                      <a:tailEnd type="none" w="med" len="med"/>
-                    </a:lnT>
-                    <a:lnB w="12700" cap="flat" cmpd="sng" algn="ctr">
-                      <a:solidFill>
-                        <a:schemeClr val="tx1"/>
-                      </a:solidFill>
-                      <a:prstDash val="solid"/>
-                      <a:round/>
-                      <a:headEnd type="none" w="med" len="med"/>
-                      <a:tailEnd type="none" w="med" len="med"/>
-                    </a:lnB>
-                    <a:noFill/>
-                  </a:tcPr>
-                </a:tc>
-                <a:tc>
-                  <a:txBody>
-                    <a:bodyPr/>
-                    <a:lstStyle/>
-                    <a:p>
-                      <a:pPr algn="ctr"/>
-                      <a:r>
-                        <a:rPr lang="en-US" sz="1400" dirty="0" smtClean="0">
-                          <a:solidFill>
-                            <a:schemeClr val="tx1"/>
-                          </a:solidFill>
-                        </a:rPr>
-                        <a:t>1</a:t>
-                      </a:r>
-                      <a:endParaRPr lang="en-US" sz="1400" dirty="0">
-                        <a:solidFill>
-                          <a:schemeClr val="tx1"/>
-                        </a:solidFill>
-                      </a:endParaRPr>
-                    </a:p>
-                  </a:txBody>
-                  <a:tcPr>
-                    <a:lnL w="12700" cap="flat" cmpd="sng" algn="ctr">
-                      <a:solidFill>
-                        <a:schemeClr val="tx1"/>
-                      </a:solidFill>
-                      <a:prstDash val="solid"/>
-                      <a:round/>
-                      <a:headEnd type="none" w="med" len="med"/>
-                      <a:tailEnd type="none" w="med" len="med"/>
-                    </a:lnL>
-                    <a:lnR w="12700" cap="flat" cmpd="sng" algn="ctr">
-                      <a:solidFill>
-                        <a:schemeClr val="tx1"/>
-                      </a:solidFill>
-                      <a:prstDash val="solid"/>
-                      <a:round/>
-                      <a:headEnd type="none" w="med" len="med"/>
-                      <a:tailEnd type="none" w="med" len="med"/>
-                    </a:lnR>
-                    <a:lnT w="12700" cap="flat" cmpd="sng" algn="ctr">
-                      <a:solidFill>
-                        <a:schemeClr val="tx1"/>
-                      </a:solidFill>
-                      <a:prstDash val="solid"/>
-                      <a:round/>
-                      <a:headEnd type="none" w="med" len="med"/>
-                      <a:tailEnd type="none" w="med" len="med"/>
-                    </a:lnT>
-                    <a:lnB w="12700" cap="flat" cmpd="sng" algn="ctr">
-                      <a:solidFill>
-                        <a:schemeClr val="tx1"/>
-                      </a:solidFill>
-                      <a:prstDash val="solid"/>
-                      <a:round/>
-                      <a:headEnd type="none" w="med" len="med"/>
-                      <a:tailEnd type="none" w="med" len="med"/>
-                    </a:lnB>
-                    <a:noFill/>
-                  </a:tcPr>
-                </a:tc>
-                <a:tc>
-                  <a:txBody>
-                    <a:bodyPr/>
-                    <a:lstStyle/>
-                    <a:p>
-                      <a:pPr algn="ctr"/>
-                      <a:r>
-                        <a:rPr lang="en-US" sz="1400" dirty="0" smtClean="0">
-                          <a:solidFill>
-                            <a:schemeClr val="tx1"/>
-                          </a:solidFill>
-                        </a:rPr>
-                        <a:t>6</a:t>
-                      </a:r>
-                      <a:endParaRPr lang="en-US" sz="1400" dirty="0">
-                        <a:solidFill>
-                          <a:schemeClr val="tx1"/>
-                        </a:solidFill>
-                      </a:endParaRPr>
-                    </a:p>
-                  </a:txBody>
-                  <a:tcPr>
-                    <a:lnL w="12700" cap="flat" cmpd="sng" algn="ctr">
-                      <a:solidFill>
-                        <a:schemeClr val="tx1"/>
-                      </a:solidFill>
-                      <a:prstDash val="solid"/>
-                      <a:round/>
-                      <a:headEnd type="none" w="med" len="med"/>
-                      <a:tailEnd type="none" w="med" len="med"/>
-                    </a:lnL>
-                    <a:lnR w="12700" cap="flat" cmpd="sng" algn="ctr">
-                      <a:solidFill>
-                        <a:schemeClr val="tx1"/>
-                      </a:solidFill>
-                      <a:prstDash val="solid"/>
-                      <a:round/>
-                      <a:headEnd type="none" w="med" len="med"/>
-                      <a:tailEnd type="none" w="med" len="med"/>
-                    </a:lnR>
-                    <a:lnT w="12700" cap="flat" cmpd="sng" algn="ctr">
-                      <a:solidFill>
-                        <a:schemeClr val="tx1"/>
-                      </a:solidFill>
-                      <a:prstDash val="solid"/>
-                      <a:round/>
-                      <a:headEnd type="none" w="med" len="med"/>
-                      <a:tailEnd type="none" w="med" len="med"/>
-                    </a:lnT>
-                    <a:lnB w="12700" cap="flat" cmpd="sng" algn="ctr">
-                      <a:solidFill>
-                        <a:schemeClr val="tx1"/>
-                      </a:solidFill>
-                      <a:prstDash val="solid"/>
-                      <a:round/>
-                      <a:headEnd type="none" w="med" len="med"/>
-                      <a:tailEnd type="none" w="med" len="med"/>
-                    </a:lnB>
-                    <a:noFill/>
-                  </a:tcPr>
-                </a:tc>
-              </a:tr>
-              <a:tr h="313203">
-                <a:tc>
-                  <a:txBody>
-                    <a:bodyPr/>
-                    <a:lstStyle/>
-                    <a:p>
-                      <a:pPr algn="ctr"/>
-                      <a:r>
-                        <a:rPr lang="en-US" sz="1400" dirty="0" smtClean="0">
-                          <a:solidFill>
-                            <a:schemeClr val="tx1"/>
-                          </a:solidFill>
-                        </a:rPr>
-                        <a:t>2</a:t>
-                      </a:r>
-                      <a:endParaRPr lang="en-US" sz="1400" dirty="0">
-                        <a:solidFill>
-                          <a:schemeClr val="tx1"/>
-                        </a:solidFill>
-                      </a:endParaRPr>
-                    </a:p>
-                  </a:txBody>
-                  <a:tcPr>
-                    <a:lnL w="12700" cap="flat" cmpd="sng" algn="ctr">
-                      <a:solidFill>
-                        <a:schemeClr val="tx1"/>
-                      </a:solidFill>
-                      <a:prstDash val="solid"/>
-                      <a:round/>
-                      <a:headEnd type="none" w="med" len="med"/>
-                      <a:tailEnd type="none" w="med" len="med"/>
-                    </a:lnL>
-                    <a:lnR w="12700" cap="flat" cmpd="sng" algn="ctr">
-                      <a:solidFill>
-                        <a:schemeClr val="tx1"/>
-                      </a:solidFill>
-                      <a:prstDash val="solid"/>
-                      <a:round/>
-                      <a:headEnd type="none" w="med" len="med"/>
-                      <a:tailEnd type="none" w="med" len="med"/>
-                    </a:lnR>
-                    <a:lnT w="12700" cap="flat" cmpd="sng" algn="ctr">
-                      <a:solidFill>
-                        <a:schemeClr val="tx1"/>
-                      </a:solidFill>
-                      <a:prstDash val="solid"/>
-                      <a:round/>
-                      <a:headEnd type="none" w="med" len="med"/>
-                      <a:tailEnd type="none" w="med" len="med"/>
-                    </a:lnT>
-                    <a:lnB w="12700" cap="flat" cmpd="sng" algn="ctr">
-                      <a:solidFill>
-                        <a:schemeClr val="tx1"/>
-                      </a:solidFill>
-                      <a:prstDash val="solid"/>
-                      <a:round/>
-                      <a:headEnd type="none" w="med" len="med"/>
-                      <a:tailEnd type="none" w="med" len="med"/>
-                    </a:lnB>
-                    <a:noFill/>
-                  </a:tcPr>
-                </a:tc>
-                <a:tc>
-                  <a:txBody>
-                    <a:bodyPr/>
-                    <a:lstStyle/>
-                    <a:p>
-                      <a:pPr algn="ctr"/>
-                      <a:r>
-                        <a:rPr lang="en-US" sz="1400" dirty="0" smtClean="0">
-                          <a:solidFill>
-                            <a:schemeClr val="tx1"/>
-                          </a:solidFill>
-                        </a:rPr>
-                        <a:t>1</a:t>
-                      </a:r>
-                      <a:endParaRPr lang="en-US" sz="1400" dirty="0">
-                        <a:solidFill>
-                          <a:schemeClr val="tx1"/>
-                        </a:solidFill>
-                      </a:endParaRPr>
-                    </a:p>
-                  </a:txBody>
-                  <a:tcPr>
-                    <a:lnL w="12700" cap="flat" cmpd="sng" algn="ctr">
-                      <a:solidFill>
-                        <a:schemeClr val="tx1"/>
-                      </a:solidFill>
-                      <a:prstDash val="solid"/>
-                      <a:round/>
-                      <a:headEnd type="none" w="med" len="med"/>
-                      <a:tailEnd type="none" w="med" len="med"/>
-                    </a:lnL>
-                    <a:lnR w="12700" cap="flat" cmpd="sng" algn="ctr">
-                      <a:solidFill>
-                        <a:schemeClr val="tx1"/>
-                      </a:solidFill>
-                      <a:prstDash val="solid"/>
-                      <a:round/>
-                      <a:headEnd type="none" w="med" len="med"/>
-                      <a:tailEnd type="none" w="med" len="med"/>
-                    </a:lnR>
-                    <a:lnT w="12700" cap="flat" cmpd="sng" algn="ctr">
-                      <a:solidFill>
-                        <a:schemeClr val="tx1"/>
-                      </a:solidFill>
-                      <a:prstDash val="solid"/>
-                      <a:round/>
-                      <a:headEnd type="none" w="med" len="med"/>
-                      <a:tailEnd type="none" w="med" len="med"/>
-                    </a:lnT>
-                    <a:lnB w="12700" cap="flat" cmpd="sng" algn="ctr">
-                      <a:solidFill>
-                        <a:schemeClr val="tx1"/>
-                      </a:solidFill>
-                      <a:prstDash val="solid"/>
-                      <a:round/>
-                      <a:headEnd type="none" w="med" len="med"/>
-                      <a:tailEnd type="none" w="med" len="med"/>
-                    </a:lnB>
-                    <a:noFill/>
-                  </a:tcPr>
-                </a:tc>
-                <a:tc>
-                  <a:txBody>
-                    <a:bodyPr/>
-                    <a:lstStyle/>
-                    <a:p>
-                      <a:pPr algn="ctr"/>
-                      <a:r>
-                        <a:rPr lang="en-US" sz="1400" dirty="0" smtClean="0">
-                          <a:solidFill>
-                            <a:schemeClr val="tx1"/>
-                          </a:solidFill>
-                        </a:rPr>
-                        <a:t>357</a:t>
-                      </a:r>
-                      <a:endParaRPr lang="en-US" sz="1400" dirty="0">
-                        <a:solidFill>
-                          <a:schemeClr val="tx1"/>
-                        </a:solidFill>
-                      </a:endParaRPr>
-                    </a:p>
-                  </a:txBody>
-                  <a:tcPr>
-                    <a:lnL w="12700" cap="flat" cmpd="sng" algn="ctr">
-                      <a:solidFill>
-                        <a:schemeClr val="tx1"/>
-                      </a:solidFill>
-                      <a:prstDash val="solid"/>
-                      <a:round/>
-                      <a:headEnd type="none" w="med" len="med"/>
-                      <a:tailEnd type="none" w="med" len="med"/>
-                    </a:lnL>
-                    <a:lnR w="12700" cap="flat" cmpd="sng" algn="ctr">
-                      <a:solidFill>
-                        <a:schemeClr val="tx1"/>
-                      </a:solidFill>
-                      <a:prstDash val="solid"/>
-                      <a:round/>
-                      <a:headEnd type="none" w="med" len="med"/>
-                      <a:tailEnd type="none" w="med" len="med"/>
-                    </a:lnR>
-                    <a:lnT w="12700" cap="flat" cmpd="sng" algn="ctr">
-                      <a:solidFill>
-                        <a:schemeClr val="tx1"/>
-                      </a:solidFill>
-                      <a:prstDash val="solid"/>
-                      <a:round/>
-                      <a:headEnd type="none" w="med" len="med"/>
-                      <a:tailEnd type="none" w="med" len="med"/>
-                    </a:lnT>
-                    <a:lnB w="12700" cap="flat" cmpd="sng" algn="ctr">
-                      <a:solidFill>
-                        <a:schemeClr val="tx1"/>
-                      </a:solidFill>
-                      <a:prstDash val="solid"/>
-                      <a:round/>
-                      <a:headEnd type="none" w="med" len="med"/>
-                      <a:tailEnd type="none" w="med" len="med"/>
-                    </a:lnB>
-                    <a:noFill/>
-                  </a:tcPr>
-                </a:tc>
-                <a:tc>
-                  <a:txBody>
-                    <a:bodyPr/>
-                    <a:lstStyle/>
-                    <a:p>
-                      <a:pPr algn="ctr"/>
-                      <a:r>
-                        <a:rPr lang="en-US" sz="1400" dirty="0" smtClean="0">
-                          <a:solidFill>
-                            <a:schemeClr val="tx1"/>
-                          </a:solidFill>
-                        </a:rPr>
-                        <a:t>12</a:t>
-                      </a:r>
-                      <a:endParaRPr lang="en-US" sz="1400" dirty="0">
-                        <a:solidFill>
-                          <a:schemeClr val="tx1"/>
-                        </a:solidFill>
-                      </a:endParaRPr>
-                    </a:p>
-                  </a:txBody>
-                  <a:tcPr>
-                    <a:lnL w="12700" cap="flat" cmpd="sng" algn="ctr">
-                      <a:solidFill>
-                        <a:schemeClr val="tx1"/>
-                      </a:solidFill>
-                      <a:prstDash val="solid"/>
-                      <a:round/>
-                      <a:headEnd type="none" w="med" len="med"/>
-                      <a:tailEnd type="none" w="med" len="med"/>
-                    </a:lnL>
-                    <a:lnR w="12700" cap="flat" cmpd="sng" algn="ctr">
-                      <a:solidFill>
-                        <a:schemeClr val="tx1"/>
-                      </a:solidFill>
-                      <a:prstDash val="solid"/>
-                      <a:round/>
-                      <a:headEnd type="none" w="med" len="med"/>
-                      <a:tailEnd type="none" w="med" len="med"/>
-                    </a:lnR>
-                    <a:lnT w="12700" cap="flat" cmpd="sng" algn="ctr">
-                      <a:solidFill>
-                        <a:schemeClr val="tx1"/>
-                      </a:solidFill>
-                      <a:prstDash val="solid"/>
-                      <a:round/>
-                      <a:headEnd type="none" w="med" len="med"/>
-                      <a:tailEnd type="none" w="med" len="med"/>
-                    </a:lnT>
-                    <a:lnB w="12700" cap="flat" cmpd="sng" algn="ctr">
-                      <a:solidFill>
-                        <a:schemeClr val="tx1"/>
-                      </a:solidFill>
-                      <a:prstDash val="solid"/>
-                      <a:round/>
-                      <a:headEnd type="none" w="med" len="med"/>
-                      <a:tailEnd type="none" w="med" len="med"/>
-                    </a:lnB>
-                    <a:noFill/>
-                  </a:tcPr>
-                </a:tc>
-                <a:tc>
-                  <a:txBody>
-                    <a:bodyPr/>
-                    <a:lstStyle/>
-                    <a:p>
-                      <a:pPr algn="ctr"/>
-                      <a:r>
-                        <a:rPr lang="en-US" sz="1400" dirty="0" smtClean="0">
-                          <a:solidFill>
-                            <a:schemeClr val="tx1"/>
-                          </a:solidFill>
-                        </a:rPr>
-                        <a:t>1</a:t>
-                      </a:r>
-                      <a:endParaRPr lang="en-US" sz="1400" dirty="0">
-                        <a:solidFill>
-                          <a:schemeClr val="tx1"/>
-                        </a:solidFill>
-                      </a:endParaRPr>
-                    </a:p>
-                  </a:txBody>
-                  <a:tcPr>
-                    <a:lnL w="12700" cap="flat" cmpd="sng" algn="ctr">
-                      <a:solidFill>
-                        <a:schemeClr val="tx1"/>
-                      </a:solidFill>
-                      <a:prstDash val="solid"/>
-                      <a:round/>
-                      <a:headEnd type="none" w="med" len="med"/>
-                      <a:tailEnd type="none" w="med" len="med"/>
-                    </a:lnL>
-                    <a:lnR w="12700" cap="flat" cmpd="sng" algn="ctr">
-                      <a:solidFill>
-                        <a:schemeClr val="tx1"/>
-                      </a:solidFill>
-                      <a:prstDash val="solid"/>
-                      <a:round/>
-                      <a:headEnd type="none" w="med" len="med"/>
-                      <a:tailEnd type="none" w="med" len="med"/>
-                    </a:lnR>
-                    <a:lnT w="12700" cap="flat" cmpd="sng" algn="ctr">
-                      <a:solidFill>
-                        <a:schemeClr val="tx1"/>
-                      </a:solidFill>
-                      <a:prstDash val="solid"/>
-                      <a:round/>
-                      <a:headEnd type="none" w="med" len="med"/>
-                      <a:tailEnd type="none" w="med" len="med"/>
-                    </a:lnT>
-                    <a:lnB w="12700" cap="flat" cmpd="sng" algn="ctr">
-                      <a:solidFill>
-                        <a:schemeClr val="tx1"/>
-                      </a:solidFill>
-                      <a:prstDash val="solid"/>
-                      <a:round/>
-                      <a:headEnd type="none" w="med" len="med"/>
-                      <a:tailEnd type="none" w="med" len="med"/>
-                    </a:lnB>
-                    <a:noFill/>
-                  </a:tcPr>
-                </a:tc>
-              </a:tr>
-              <a:tr h="313203">
-                <a:tc>
-                  <a:txBody>
-                    <a:bodyPr/>
-                    <a:lstStyle/>
-                    <a:p>
-                      <a:pPr algn="ctr"/>
-                      <a:r>
-                        <a:rPr lang="en-US" sz="1400" dirty="0" smtClean="0">
-                          <a:solidFill>
-                            <a:schemeClr val="tx1"/>
-                          </a:solidFill>
-                        </a:rPr>
-                        <a:t>3</a:t>
-                      </a:r>
-                      <a:endParaRPr lang="en-US" sz="1400" dirty="0">
-                        <a:solidFill>
-                          <a:schemeClr val="tx1"/>
-                        </a:solidFill>
-                      </a:endParaRPr>
-                    </a:p>
-                  </a:txBody>
-                  <a:tcPr>
-                    <a:lnL w="12700" cap="flat" cmpd="sng" algn="ctr">
-                      <a:solidFill>
-                        <a:schemeClr val="tx1"/>
-                      </a:solidFill>
-                      <a:prstDash val="solid"/>
-                      <a:round/>
-                      <a:headEnd type="none" w="med" len="med"/>
-                      <a:tailEnd type="none" w="med" len="med"/>
-                    </a:lnL>
-                    <a:lnR w="12700" cap="flat" cmpd="sng" algn="ctr">
-                      <a:solidFill>
-                        <a:schemeClr val="tx1"/>
-                      </a:solidFill>
-                      <a:prstDash val="solid"/>
-                      <a:round/>
-                      <a:headEnd type="none" w="med" len="med"/>
-                      <a:tailEnd type="none" w="med" len="med"/>
-                    </a:lnR>
-                    <a:lnT w="12700" cap="flat" cmpd="sng" algn="ctr">
-                      <a:solidFill>
-                        <a:schemeClr val="tx1"/>
-                      </a:solidFill>
-                      <a:prstDash val="solid"/>
-                      <a:round/>
-                      <a:headEnd type="none" w="med" len="med"/>
-                      <a:tailEnd type="none" w="med" len="med"/>
-                    </a:lnT>
-                    <a:lnB w="12700" cap="flat" cmpd="sng" algn="ctr">
-                      <a:solidFill>
-                        <a:schemeClr val="tx1"/>
-                      </a:solidFill>
-                      <a:prstDash val="solid"/>
-                      <a:round/>
-                      <a:headEnd type="none" w="med" len="med"/>
-                      <a:tailEnd type="none" w="med" len="med"/>
-                    </a:lnB>
-                    <a:noFill/>
-                  </a:tcPr>
-                </a:tc>
-                <a:tc>
-                  <a:txBody>
-                    <a:bodyPr/>
-                    <a:lstStyle/>
-                    <a:p>
-                      <a:pPr algn="ctr"/>
-                      <a:r>
-                        <a:rPr lang="en-US" sz="1400" dirty="0" smtClean="0">
-                          <a:solidFill>
-                            <a:schemeClr val="tx1"/>
-                          </a:solidFill>
-                        </a:rPr>
-                        <a:t>5</a:t>
-                      </a:r>
-                      <a:endParaRPr lang="en-US" sz="1400" dirty="0">
-                        <a:solidFill>
-                          <a:schemeClr val="tx1"/>
-                        </a:solidFill>
-                      </a:endParaRPr>
-                    </a:p>
-                  </a:txBody>
-                  <a:tcPr>
-                    <a:lnL w="12700" cap="flat" cmpd="sng" algn="ctr">
-                      <a:solidFill>
-                        <a:schemeClr val="tx1"/>
-                      </a:solidFill>
-                      <a:prstDash val="solid"/>
-                      <a:round/>
-                      <a:headEnd type="none" w="med" len="med"/>
-                      <a:tailEnd type="none" w="med" len="med"/>
-                    </a:lnL>
-                    <a:lnR w="12700" cap="flat" cmpd="sng" algn="ctr">
-                      <a:solidFill>
-                        <a:schemeClr val="tx1"/>
-                      </a:solidFill>
-                      <a:prstDash val="solid"/>
-                      <a:round/>
-                      <a:headEnd type="none" w="med" len="med"/>
-                      <a:tailEnd type="none" w="med" len="med"/>
-                    </a:lnR>
-                    <a:lnT w="12700" cap="flat" cmpd="sng" algn="ctr">
-                      <a:solidFill>
-                        <a:schemeClr val="tx1"/>
-                      </a:solidFill>
-                      <a:prstDash val="solid"/>
-                      <a:round/>
-                      <a:headEnd type="none" w="med" len="med"/>
-                      <a:tailEnd type="none" w="med" len="med"/>
-                    </a:lnT>
-                    <a:lnB w="12700" cap="flat" cmpd="sng" algn="ctr">
-                      <a:solidFill>
-                        <a:schemeClr val="tx1"/>
-                      </a:solidFill>
-                      <a:prstDash val="solid"/>
-                      <a:round/>
-                      <a:headEnd type="none" w="med" len="med"/>
-                      <a:tailEnd type="none" w="med" len="med"/>
-                    </a:lnB>
-                    <a:noFill/>
-                  </a:tcPr>
-                </a:tc>
-                <a:tc>
-                  <a:txBody>
-                    <a:bodyPr/>
-                    <a:lstStyle/>
-                    <a:p>
-                      <a:pPr algn="ctr"/>
-                      <a:r>
-                        <a:rPr lang="en-US" sz="1400" dirty="0" smtClean="0">
-                          <a:solidFill>
-                            <a:schemeClr val="tx1"/>
-                          </a:solidFill>
-                        </a:rPr>
-                        <a:t>15</a:t>
-                      </a:r>
-                      <a:endParaRPr lang="en-US" sz="1400" dirty="0">
-                        <a:solidFill>
-                          <a:schemeClr val="tx1"/>
-                        </a:solidFill>
-                      </a:endParaRPr>
-                    </a:p>
-                  </a:txBody>
-                  <a:tcPr>
-                    <a:lnL w="12700" cap="flat" cmpd="sng" algn="ctr">
-                      <a:solidFill>
-                        <a:schemeClr val="tx1"/>
-                      </a:solidFill>
-                      <a:prstDash val="solid"/>
-                      <a:round/>
-                      <a:headEnd type="none" w="med" len="med"/>
-                      <a:tailEnd type="none" w="med" len="med"/>
-                    </a:lnL>
-                    <a:lnR w="12700" cap="flat" cmpd="sng" algn="ctr">
-                      <a:solidFill>
-                        <a:schemeClr val="tx1"/>
-                      </a:solidFill>
-                      <a:prstDash val="solid"/>
-                      <a:round/>
-                      <a:headEnd type="none" w="med" len="med"/>
-                      <a:tailEnd type="none" w="med" len="med"/>
-                    </a:lnR>
-                    <a:lnT w="12700" cap="flat" cmpd="sng" algn="ctr">
-                      <a:solidFill>
-                        <a:schemeClr val="tx1"/>
-                      </a:solidFill>
-                      <a:prstDash val="solid"/>
-                      <a:round/>
-                      <a:headEnd type="none" w="med" len="med"/>
-                      <a:tailEnd type="none" w="med" len="med"/>
-                    </a:lnT>
-                    <a:lnB w="12700" cap="flat" cmpd="sng" algn="ctr">
-                      <a:solidFill>
-                        <a:schemeClr val="tx1"/>
-                      </a:solidFill>
-                      <a:prstDash val="solid"/>
-                      <a:round/>
-                      <a:headEnd type="none" w="med" len="med"/>
-                      <a:tailEnd type="none" w="med" len="med"/>
-                    </a:lnB>
-                    <a:noFill/>
-                  </a:tcPr>
-                </a:tc>
-                <a:tc>
-                  <a:txBody>
-                    <a:bodyPr/>
-                    <a:lstStyle/>
-                    <a:p>
-                      <a:pPr algn="ctr"/>
-                      <a:r>
-                        <a:rPr lang="en-US" sz="1400" dirty="0" smtClean="0">
-                          <a:solidFill>
-                            <a:schemeClr val="tx1"/>
-                          </a:solidFill>
-                        </a:rPr>
-                        <a:t>320</a:t>
-                      </a:r>
-                      <a:endParaRPr lang="en-US" sz="1400" dirty="0">
-                        <a:solidFill>
-                          <a:schemeClr val="tx1"/>
-                        </a:solidFill>
-                      </a:endParaRPr>
-                    </a:p>
-                  </a:txBody>
-                  <a:tcPr>
-                    <a:lnL w="12700" cap="flat" cmpd="sng" algn="ctr">
-                      <a:solidFill>
-                        <a:schemeClr val="tx1"/>
-                      </a:solidFill>
-                      <a:prstDash val="solid"/>
-                      <a:round/>
-                      <a:headEnd type="none" w="med" len="med"/>
-                      <a:tailEnd type="none" w="med" len="med"/>
-                    </a:lnL>
-                    <a:lnR w="12700" cap="flat" cmpd="sng" algn="ctr">
-                      <a:solidFill>
-                        <a:schemeClr val="tx1"/>
-                      </a:solidFill>
-                      <a:prstDash val="solid"/>
-                      <a:round/>
-                      <a:headEnd type="none" w="med" len="med"/>
-                      <a:tailEnd type="none" w="med" len="med"/>
-                    </a:lnR>
-                    <a:lnT w="12700" cap="flat" cmpd="sng" algn="ctr">
-                      <a:solidFill>
-                        <a:schemeClr val="tx1"/>
-                      </a:solidFill>
-                      <a:prstDash val="solid"/>
-                      <a:round/>
-                      <a:headEnd type="none" w="med" len="med"/>
-                      <a:tailEnd type="none" w="med" len="med"/>
-                    </a:lnT>
-                    <a:lnB w="12700" cap="flat" cmpd="sng" algn="ctr">
-                      <a:solidFill>
-                        <a:schemeClr val="tx1"/>
-                      </a:solidFill>
-                      <a:prstDash val="solid"/>
-                      <a:round/>
-                      <a:headEnd type="none" w="med" len="med"/>
-                      <a:tailEnd type="none" w="med" len="med"/>
-                    </a:lnB>
-                    <a:noFill/>
-                  </a:tcPr>
-                </a:tc>
-                <a:tc>
-                  <a:txBody>
-                    <a:bodyPr/>
-                    <a:lstStyle/>
-                    <a:p>
-                      <a:pPr algn="ctr"/>
-                      <a:r>
-                        <a:rPr lang="en-US" sz="1400" dirty="0" smtClean="0">
-                          <a:solidFill>
-                            <a:schemeClr val="tx1"/>
-                          </a:solidFill>
-                        </a:rPr>
-                        <a:t>0</a:t>
-                      </a:r>
-                      <a:endParaRPr lang="en-US" sz="1400" dirty="0">
-                        <a:solidFill>
-                          <a:schemeClr val="tx1"/>
-                        </a:solidFill>
-                      </a:endParaRPr>
-                    </a:p>
-                  </a:txBody>
-                  <a:tcPr>
-                    <a:lnL w="12700" cap="flat" cmpd="sng" algn="ctr">
-                      <a:solidFill>
-                        <a:schemeClr val="tx1"/>
-                      </a:solidFill>
-                      <a:prstDash val="solid"/>
-                      <a:round/>
-                      <a:headEnd type="none" w="med" len="med"/>
-                      <a:tailEnd type="none" w="med" len="med"/>
-                    </a:lnL>
-                    <a:lnR w="12700" cap="flat" cmpd="sng" algn="ctr">
-                      <a:solidFill>
-                        <a:schemeClr val="tx1"/>
-                      </a:solidFill>
-                      <a:prstDash val="solid"/>
-                      <a:round/>
-                      <a:headEnd type="none" w="med" len="med"/>
-                      <a:tailEnd type="none" w="med" len="med"/>
-                    </a:lnR>
-                    <a:lnT w="12700" cap="flat" cmpd="sng" algn="ctr">
-                      <a:solidFill>
-                        <a:schemeClr val="tx1"/>
-                      </a:solidFill>
-                      <a:prstDash val="solid"/>
-                      <a:round/>
-                      <a:headEnd type="none" w="med" len="med"/>
-                      <a:tailEnd type="none" w="med" len="med"/>
-                    </a:lnT>
-                    <a:lnB w="12700" cap="flat" cmpd="sng" algn="ctr">
-                      <a:solidFill>
-                        <a:schemeClr val="tx1"/>
-                      </a:solidFill>
-                      <a:prstDash val="solid"/>
-                      <a:round/>
-                      <a:headEnd type="none" w="med" len="med"/>
-                      <a:tailEnd type="none" w="med" len="med"/>
-                    </a:lnB>
-                    <a:noFill/>
-                  </a:tcPr>
-                </a:tc>
-              </a:tr>
-              <a:tr h="313203">
-                <a:tc>
-                  <a:txBody>
-                    <a:bodyPr/>
-                    <a:lstStyle/>
-                    <a:p>
-                      <a:pPr algn="ctr"/>
-                      <a:r>
-                        <a:rPr lang="en-US" sz="1400" dirty="0" smtClean="0">
-                          <a:solidFill>
-                            <a:schemeClr val="tx1"/>
-                          </a:solidFill>
-                        </a:rPr>
-                        <a:t>4</a:t>
-                      </a:r>
-                      <a:endParaRPr lang="en-US" sz="1400" dirty="0">
-                        <a:solidFill>
-                          <a:schemeClr val="tx1"/>
-                        </a:solidFill>
-                      </a:endParaRPr>
-                    </a:p>
-                  </a:txBody>
-                  <a:tcPr>
-                    <a:lnL w="12700" cap="flat" cmpd="sng" algn="ctr">
-                      <a:solidFill>
-                        <a:schemeClr val="tx1"/>
-                      </a:solidFill>
-                      <a:prstDash val="solid"/>
-                      <a:round/>
-                      <a:headEnd type="none" w="med" len="med"/>
-                      <a:tailEnd type="none" w="med" len="med"/>
-                    </a:lnL>
-                    <a:lnR w="12700" cap="flat" cmpd="sng" algn="ctr">
-                      <a:solidFill>
-                        <a:schemeClr val="tx1"/>
-                      </a:solidFill>
-                      <a:prstDash val="solid"/>
-                      <a:round/>
-                      <a:headEnd type="none" w="med" len="med"/>
-                      <a:tailEnd type="none" w="med" len="med"/>
-                    </a:lnR>
-                    <a:lnT w="12700" cap="flat" cmpd="sng" algn="ctr">
-                      <a:solidFill>
-                        <a:schemeClr val="tx1"/>
-                      </a:solidFill>
-                      <a:prstDash val="solid"/>
-                      <a:round/>
-                      <a:headEnd type="none" w="med" len="med"/>
-                      <a:tailEnd type="none" w="med" len="med"/>
-                    </a:lnT>
-                    <a:lnB w="12700" cap="flat" cmpd="sng" algn="ctr">
-                      <a:solidFill>
-                        <a:schemeClr val="tx1"/>
-                      </a:solidFill>
-                      <a:prstDash val="solid"/>
-                      <a:round/>
-                      <a:headEnd type="none" w="med" len="med"/>
-                      <a:tailEnd type="none" w="med" len="med"/>
-                    </a:lnB>
-                    <a:noFill/>
-                  </a:tcPr>
-                </a:tc>
-                <a:tc>
-                  <a:txBody>
-                    <a:bodyPr/>
-                    <a:lstStyle/>
-                    <a:p>
-                      <a:pPr algn="ctr"/>
-                      <a:r>
-                        <a:rPr lang="en-US" sz="1400" dirty="0" smtClean="0">
-                          <a:solidFill>
-                            <a:schemeClr val="tx1"/>
-                          </a:solidFill>
-                        </a:rPr>
-                        <a:t>0</a:t>
-                      </a:r>
-                      <a:endParaRPr lang="en-US" sz="1400" dirty="0">
-                        <a:solidFill>
-                          <a:schemeClr val="tx1"/>
-                        </a:solidFill>
-                      </a:endParaRPr>
-                    </a:p>
-                  </a:txBody>
-                  <a:tcPr>
-                    <a:lnL w="12700" cap="flat" cmpd="sng" algn="ctr">
-                      <a:solidFill>
-                        <a:schemeClr val="tx1"/>
-                      </a:solidFill>
-                      <a:prstDash val="solid"/>
-                      <a:round/>
-                      <a:headEnd type="none" w="med" len="med"/>
-                      <a:tailEnd type="none" w="med" len="med"/>
-                    </a:lnL>
-                    <a:lnR w="12700" cap="flat" cmpd="sng" algn="ctr">
-                      <a:solidFill>
-                        <a:schemeClr val="tx1"/>
-                      </a:solidFill>
-                      <a:prstDash val="solid"/>
-                      <a:round/>
-                      <a:headEnd type="none" w="med" len="med"/>
-                      <a:tailEnd type="none" w="med" len="med"/>
-                    </a:lnR>
-                    <a:lnT w="12700" cap="flat" cmpd="sng" algn="ctr">
-                      <a:solidFill>
-                        <a:schemeClr val="tx1"/>
-                      </a:solidFill>
-                      <a:prstDash val="solid"/>
-                      <a:round/>
-                      <a:headEnd type="none" w="med" len="med"/>
-                      <a:tailEnd type="none" w="med" len="med"/>
-                    </a:lnT>
-                    <a:lnB w="12700" cap="flat" cmpd="sng" algn="ctr">
-                      <a:solidFill>
-                        <a:schemeClr val="tx1"/>
-                      </a:solidFill>
-                      <a:prstDash val="solid"/>
-                      <a:round/>
-                      <a:headEnd type="none" w="med" len="med"/>
-                      <a:tailEnd type="none" w="med" len="med"/>
-                    </a:lnB>
-                    <a:noFill/>
-                  </a:tcPr>
-                </a:tc>
-                <a:tc>
-                  <a:txBody>
-                    <a:bodyPr/>
-                    <a:lstStyle/>
-                    <a:p>
-                      <a:pPr algn="ctr"/>
-                      <a:r>
-                        <a:rPr lang="en-US" sz="1400" dirty="0" smtClean="0">
-                          <a:solidFill>
-                            <a:schemeClr val="tx1"/>
-                          </a:solidFill>
-                        </a:rPr>
-                        <a:t>4</a:t>
-                      </a:r>
-                      <a:endParaRPr lang="en-US" sz="1400" dirty="0">
-                        <a:solidFill>
-                          <a:schemeClr val="tx1"/>
-                        </a:solidFill>
-                      </a:endParaRPr>
-                    </a:p>
-                  </a:txBody>
-                  <a:tcPr>
-                    <a:lnL w="12700" cap="flat" cmpd="sng" algn="ctr">
-                      <a:solidFill>
-                        <a:schemeClr val="tx1"/>
-                      </a:solidFill>
-                      <a:prstDash val="solid"/>
-                      <a:round/>
-                      <a:headEnd type="none" w="med" len="med"/>
-                      <a:tailEnd type="none" w="med" len="med"/>
-                    </a:lnL>
-                    <a:lnR w="12700" cap="flat" cmpd="sng" algn="ctr">
-                      <a:solidFill>
-                        <a:schemeClr val="tx1"/>
-                      </a:solidFill>
-                      <a:prstDash val="solid"/>
-                      <a:round/>
-                      <a:headEnd type="none" w="med" len="med"/>
-                      <a:tailEnd type="none" w="med" len="med"/>
-                    </a:lnR>
-                    <a:lnT w="12700" cap="flat" cmpd="sng" algn="ctr">
-                      <a:solidFill>
-                        <a:schemeClr val="tx1"/>
-                      </a:solidFill>
-                      <a:prstDash val="solid"/>
-                      <a:round/>
-                      <a:headEnd type="none" w="med" len="med"/>
-                      <a:tailEnd type="none" w="med" len="med"/>
-                    </a:lnT>
-                    <a:lnB w="12700" cap="flat" cmpd="sng" algn="ctr">
-                      <a:solidFill>
-                        <a:schemeClr val="tx1"/>
-                      </a:solidFill>
-                      <a:prstDash val="solid"/>
-                      <a:round/>
-                      <a:headEnd type="none" w="med" len="med"/>
-                      <a:tailEnd type="none" w="med" len="med"/>
-                    </a:lnB>
-                    <a:noFill/>
-                  </a:tcPr>
-                </a:tc>
-                <a:tc>
-                  <a:txBody>
-                    <a:bodyPr/>
-                    <a:lstStyle/>
-                    <a:p>
-                      <a:pPr algn="ctr"/>
-                      <a:r>
-                        <a:rPr lang="en-US" sz="1400" dirty="0" smtClean="0">
-                          <a:solidFill>
-                            <a:schemeClr val="tx1"/>
-                          </a:solidFill>
-                        </a:rPr>
-                        <a:t>5</a:t>
-                      </a:r>
-                      <a:endParaRPr lang="en-US" sz="1400" dirty="0">
-                        <a:solidFill>
-                          <a:schemeClr val="tx1"/>
-                        </a:solidFill>
-                      </a:endParaRPr>
-                    </a:p>
-                  </a:txBody>
-                  <a:tcPr>
-                    <a:lnL w="12700" cap="flat" cmpd="sng" algn="ctr">
-                      <a:solidFill>
-                        <a:schemeClr val="tx1"/>
-                      </a:solidFill>
-                      <a:prstDash val="solid"/>
-                      <a:round/>
-                      <a:headEnd type="none" w="med" len="med"/>
-                      <a:tailEnd type="none" w="med" len="med"/>
-                    </a:lnL>
-                    <a:lnR w="12700" cap="flat" cmpd="sng" algn="ctr">
-                      <a:solidFill>
-                        <a:schemeClr val="tx1"/>
-                      </a:solidFill>
-                      <a:prstDash val="solid"/>
-                      <a:round/>
-                      <a:headEnd type="none" w="med" len="med"/>
-                      <a:tailEnd type="none" w="med" len="med"/>
-                    </a:lnR>
-                    <a:lnT w="12700" cap="flat" cmpd="sng" algn="ctr">
-                      <a:solidFill>
-                        <a:schemeClr val="tx1"/>
-                      </a:solidFill>
-                      <a:prstDash val="solid"/>
-                      <a:round/>
-                      <a:headEnd type="none" w="med" len="med"/>
-                      <a:tailEnd type="none" w="med" len="med"/>
-                    </a:lnT>
-                    <a:lnB w="12700" cap="flat" cmpd="sng" algn="ctr">
-                      <a:solidFill>
-                        <a:schemeClr val="tx1"/>
-                      </a:solidFill>
-                      <a:prstDash val="solid"/>
-                      <a:round/>
-                      <a:headEnd type="none" w="med" len="med"/>
-                      <a:tailEnd type="none" w="med" len="med"/>
-                    </a:lnB>
-                    <a:noFill/>
-                  </a:tcPr>
-                </a:tc>
-                <a:tc>
-                  <a:txBody>
-                    <a:bodyPr/>
-                    <a:lstStyle/>
-                    <a:p>
-                      <a:pPr algn="ctr"/>
-                      <a:r>
-                        <a:rPr lang="en-US" sz="1400" dirty="0" smtClean="0">
-                          <a:solidFill>
-                            <a:schemeClr val="tx1"/>
-                          </a:solidFill>
-                        </a:rPr>
-                        <a:t>34</a:t>
-                      </a:r>
-                      <a:endParaRPr lang="en-US" sz="1400" dirty="0">
-                        <a:solidFill>
-                          <a:schemeClr val="tx1"/>
                         </a:solidFill>
                       </a:endParaRPr>
                     </a:p>
@@ -23139,7 +19848,7 @@
         </p:nvSpPr>
         <p:spPr>
           <a:xfrm>
-            <a:off x="3259821" y="3152374"/>
+            <a:off x="3259821" y="5539974"/>
             <a:ext cx="2440547" cy="553998"/>
           </a:xfrm>
           <a:prstGeom prst="rect">
@@ -23163,107 +19872,9 @@
             <a:pPr algn="ctr"/>
             <a:r>
               <a:rPr lang="en-US" sz="1500" dirty="0" smtClean="0"/>
-              <a:t>83%</a:t>
+              <a:t>79%</a:t>
             </a:r>
             <a:endParaRPr lang="en-US" sz="1500" dirty="0"/>
-          </a:p>
-        </p:txBody>
-      </p:sp>
-      <p:sp>
-        <p:nvSpPr>
-          <p:cNvPr id="31" name="Rectangle 30"/>
-          <p:cNvSpPr/>
-          <p:nvPr/>
-        </p:nvSpPr>
-        <p:spPr>
-          <a:xfrm>
-            <a:off x="596093" y="834450"/>
-            <a:ext cx="7545655" cy="415498"/>
-          </a:xfrm>
-          <a:prstGeom prst="rect">
-            <a:avLst/>
-          </a:prstGeom>
-        </p:spPr>
-        <p:txBody>
-          <a:bodyPr wrap="none">
-            <a:spAutoFit/>
-          </a:bodyPr>
-          <a:lstStyle/>
-          <a:p>
-            <a:r>
-              <a:rPr lang="en-US" sz="2100" b="1" dirty="0">
-                <a:solidFill>
-                  <a:schemeClr val="accent1"/>
-                </a:solidFill>
-              </a:rPr>
-              <a:t>1. Multinomial Naive Bayes – Didn’t work </a:t>
-            </a:r>
-            <a:r>
-              <a:rPr lang="en-US" sz="2100" b="1" dirty="0" smtClean="0">
-                <a:solidFill>
-                  <a:schemeClr val="accent1"/>
-                </a:solidFill>
-              </a:rPr>
-              <a:t>well for 4</a:t>
-            </a:r>
-            <a:r>
-              <a:rPr lang="en-US" sz="2100" b="1" baseline="30000" dirty="0" smtClean="0">
-                <a:solidFill>
-                  <a:schemeClr val="accent1"/>
-                </a:solidFill>
-              </a:rPr>
-              <a:t>th</a:t>
-            </a:r>
-            <a:r>
-              <a:rPr lang="en-US" sz="2100" b="1" dirty="0" smtClean="0">
-                <a:solidFill>
-                  <a:schemeClr val="accent1"/>
-                </a:solidFill>
-              </a:rPr>
-              <a:t> class</a:t>
-            </a:r>
-            <a:endParaRPr lang="en-US" sz="2100" b="1" dirty="0">
-              <a:solidFill>
-                <a:schemeClr val="accent1"/>
-              </a:solidFill>
-            </a:endParaRPr>
-          </a:p>
-        </p:txBody>
-      </p:sp>
-      <p:sp>
-        <p:nvSpPr>
-          <p:cNvPr id="32" name="Rectangle 31"/>
-          <p:cNvSpPr/>
-          <p:nvPr/>
-        </p:nvSpPr>
-        <p:spPr>
-          <a:xfrm>
-            <a:off x="596093" y="3729989"/>
-            <a:ext cx="2282997" cy="415498"/>
-          </a:xfrm>
-          <a:prstGeom prst="rect">
-            <a:avLst/>
-          </a:prstGeom>
-        </p:spPr>
-        <p:txBody>
-          <a:bodyPr wrap="none">
-            <a:spAutoFit/>
-          </a:bodyPr>
-          <a:lstStyle/>
-          <a:p>
-            <a:r>
-              <a:rPr lang="en-US" sz="2100" b="1" dirty="0" smtClean="0">
-                <a:solidFill>
-                  <a:schemeClr val="accent1"/>
-                </a:solidFill>
-              </a:rPr>
-              <a:t>2. SVM with SGD</a:t>
-            </a:r>
-            <a:endParaRPr lang="en-US" sz="2100" b="1" dirty="0">
-              <a:solidFill>
-                <a:schemeClr val="accent1"/>
-              </a:solidFill>
-            </a:endParaRPr>
           </a:p>
         </p:txBody>
       </p:sp>
@@ -23275,7 +19886,7 @@
         </p:nvSpPr>
         <p:spPr>
           <a:xfrm>
-            <a:off x="8631921" y="1324545"/>
+            <a:off x="8631921" y="3712145"/>
             <a:ext cx="2440547" cy="553998"/>
           </a:xfrm>
           <a:prstGeom prst="rect">
@@ -23299,7 +19910,7 @@
             <a:pPr algn="ctr"/>
             <a:r>
               <a:rPr lang="en-US" sz="1500" dirty="0" smtClean="0"/>
-              <a:t>86.0%</a:t>
+              <a:t>75.3%</a:t>
             </a:r>
             <a:endParaRPr lang="en-US" sz="1500" dirty="0"/>
           </a:p>
@@ -23313,7 +19924,7 @@
         </p:nvSpPr>
         <p:spPr>
           <a:xfrm>
-            <a:off x="8631921" y="1916888"/>
+            <a:off x="8631921" y="4304488"/>
             <a:ext cx="2440547" cy="553998"/>
           </a:xfrm>
           <a:prstGeom prst="rect">
@@ -23337,7 +19948,7 @@
             <a:pPr algn="ctr"/>
             <a:r>
               <a:rPr lang="en-US" sz="1500" dirty="0" smtClean="0"/>
-              <a:t>87%</a:t>
+              <a:t>79%</a:t>
             </a:r>
             <a:endParaRPr lang="en-US" sz="1500" dirty="0"/>
           </a:p>
@@ -23351,7 +19962,7 @@
         </p:nvSpPr>
         <p:spPr>
           <a:xfrm>
-            <a:off x="8631921" y="2534631"/>
+            <a:off x="8631921" y="4922231"/>
             <a:ext cx="2440547" cy="553998"/>
           </a:xfrm>
           <a:prstGeom prst="rect">
@@ -23375,7 +19986,7 @@
             <a:pPr algn="ctr"/>
             <a:r>
               <a:rPr lang="en-US" sz="1500" dirty="0" smtClean="0"/>
-              <a:t>86%</a:t>
+              <a:t>75%</a:t>
             </a:r>
             <a:endParaRPr lang="en-US" sz="1500" dirty="0"/>
           </a:p>
@@ -23389,7 +20000,7 @@
         </p:nvSpPr>
         <p:spPr>
           <a:xfrm>
-            <a:off x="8631921" y="3152374"/>
+            <a:off x="8631921" y="5539974"/>
             <a:ext cx="2440547" cy="553998"/>
           </a:xfrm>
           <a:prstGeom prst="rect">
@@ -23413,7 +20024,7 @@
             <a:pPr algn="ctr"/>
             <a:r>
               <a:rPr lang="en-US" sz="1500" dirty="0" smtClean="0"/>
-              <a:t>84%</a:t>
+              <a:t>76%</a:t>
             </a:r>
             <a:endParaRPr lang="en-US" sz="1500" dirty="0"/>
           </a:p>
@@ -23421,14 +20032,14 @@
       </p:sp>
       <p:sp>
         <p:nvSpPr>
-          <p:cNvPr id="37" name="TextBox 36"/>
+          <p:cNvPr id="45" name="TextBox 44"/>
           <p:cNvSpPr txBox="1"/>
           <p:nvPr/>
         </p:nvSpPr>
         <p:spPr>
           <a:xfrm>
-            <a:off x="3259821" y="4156519"/>
-            <a:ext cx="2440547" cy="553998"/>
+            <a:off x="453277" y="1243936"/>
+            <a:ext cx="10290923" cy="2077492"/>
           </a:xfrm>
           <a:prstGeom prst="rect">
             <a:avLst/>
@@ -23441,285 +20052,230 @@
           </a:bodyPr>
           <a:lstStyle/>
           <a:p>
-            <a:pPr algn="ctr"/>
-            <a:r>
-              <a:rPr lang="en-US" sz="1500" u="sng" dirty="0" smtClean="0"/>
-              <a:t>Accuracy</a:t>
-            </a:r>
-          </a:p>
-          <a:p>
-            <a:pPr algn="ctr"/>
+            <a:r>
+              <a:rPr lang="en-US" sz="2100" b="1" dirty="0" smtClean="0">
+                <a:solidFill>
+                  <a:schemeClr val="accent1"/>
+                </a:solidFill>
+              </a:rPr>
+              <a:t>Implemented a Convolutional Neural Network on Words (</a:t>
+            </a:r>
+            <a:r>
+              <a:rPr lang="en-US" sz="2100" b="1" dirty="0" err="1" smtClean="0">
+                <a:solidFill>
+                  <a:schemeClr val="accent1"/>
+                </a:solidFill>
+              </a:rPr>
+              <a:t>Tf</a:t>
+            </a:r>
+            <a:r>
+              <a:rPr lang="en-US" sz="2100" b="1" dirty="0" smtClean="0">
+                <a:solidFill>
+                  <a:schemeClr val="accent1"/>
+                </a:solidFill>
+              </a:rPr>
+              <a:t> matrix) </a:t>
+            </a:r>
+          </a:p>
+          <a:p>
+            <a:r>
+              <a:rPr lang="en-US" b="1" dirty="0" smtClean="0">
+                <a:solidFill>
+                  <a:schemeClr val="accent1"/>
+                </a:solidFill>
+              </a:rPr>
+              <a:t>Shown to work for text classification</a:t>
+            </a:r>
+          </a:p>
+          <a:p>
+            <a:pPr marL="285750" indent="-285750">
+              <a:buFont typeface="Arial" panose="020B0604020202020204" pitchFamily="34" charset="0"/>
+              <a:buChar char="•"/>
+            </a:pPr>
+            <a:endParaRPr lang="en-US" sz="1400" dirty="0" smtClean="0"/>
+          </a:p>
+          <a:p>
+            <a:pPr marL="285750" indent="-285750">
+              <a:buFont typeface="Arial" panose="020B0604020202020204" pitchFamily="34" charset="0"/>
+              <a:buChar char="•"/>
+            </a:pPr>
             <a:r>
               <a:rPr lang="en-US" sz="1500" dirty="0" smtClean="0"/>
-              <a:t>92.0%</a:t>
-            </a:r>
-            <a:endParaRPr lang="en-US" sz="1500" dirty="0"/>
+              <a:t>Adapted from </a:t>
+            </a:r>
+            <a:r>
+              <a:rPr lang="en-US" sz="1500" dirty="0" err="1" smtClean="0"/>
+              <a:t>tensorflow</a:t>
+            </a:r>
+            <a:r>
+              <a:rPr lang="en-US" sz="1500" dirty="0" smtClean="0"/>
+              <a:t> open source </a:t>
+            </a:r>
+            <a:r>
+              <a:rPr lang="en-US" sz="1500" dirty="0" err="1"/>
+              <a:t>G</a:t>
+            </a:r>
+            <a:r>
+              <a:rPr lang="en-US" sz="1500" dirty="0" err="1" smtClean="0"/>
+              <a:t>ithub</a:t>
+            </a:r>
+            <a:r>
+              <a:rPr lang="en-US" sz="1500" dirty="0" smtClean="0"/>
+              <a:t> repo example; uses </a:t>
+            </a:r>
+            <a:r>
+              <a:rPr lang="en-US" sz="1500" dirty="0" err="1" smtClean="0"/>
+              <a:t>tf.contrib.learn</a:t>
+            </a:r>
+            <a:r>
+              <a:rPr lang="en-US" sz="1500" dirty="0" smtClean="0"/>
+              <a:t> API</a:t>
+            </a:r>
+          </a:p>
+          <a:p>
+            <a:pPr marL="285750" indent="-285750">
+              <a:buFont typeface="Arial" panose="020B0604020202020204" pitchFamily="34" charset="0"/>
+              <a:buChar char="•"/>
+            </a:pPr>
+            <a:r>
+              <a:rPr lang="en-US" sz="1500" dirty="0" smtClean="0"/>
+              <a:t>LOTS of parameters to tune – </a:t>
+            </a:r>
+            <a:r>
+              <a:rPr lang="en-US" sz="1500" i="1" dirty="0" smtClean="0"/>
+              <a:t>still more research to do here</a:t>
+            </a:r>
+          </a:p>
+          <a:p>
+            <a:pPr marL="742950" lvl="1" indent="-285750">
+              <a:buFont typeface="Arial" panose="020B0604020202020204" pitchFamily="34" charset="0"/>
+              <a:buChar char="•"/>
+            </a:pPr>
+            <a:r>
+              <a:rPr lang="en-US" sz="1500" dirty="0" smtClean="0">
+                <a:solidFill>
+                  <a:schemeClr val="accent1"/>
+                </a:solidFill>
+              </a:rPr>
+              <a:t>Examples: number of filters, filter shapes, pooling window and stride, number of layers, optimizer &amp; learning rate (SGD, ‘Adam’ (used here)), number of steps…</a:t>
+            </a:r>
+            <a:endParaRPr lang="en-US" sz="1500" dirty="0">
+              <a:solidFill>
+                <a:schemeClr val="accent1"/>
+              </a:solidFill>
+            </a:endParaRPr>
+          </a:p>
+          <a:p>
+            <a:pPr marL="285750" indent="-285750">
+              <a:buFont typeface="Arial" panose="020B0604020202020204" pitchFamily="34" charset="0"/>
+              <a:buChar char="•"/>
+            </a:pPr>
+            <a:endParaRPr lang="en-US" sz="1600" dirty="0">
+              <a:solidFill>
+                <a:schemeClr val="accent1"/>
+              </a:solidFill>
+            </a:endParaRPr>
           </a:p>
         </p:txBody>
       </p:sp>
       <p:sp>
         <p:nvSpPr>
-          <p:cNvPr id="38" name="TextBox 37"/>
-          <p:cNvSpPr txBox="1"/>
+          <p:cNvPr id="46" name="Title 1"/>
+          <p:cNvSpPr txBox="1">
+            <a:spLocks/>
+          </p:cNvSpPr>
           <p:nvPr/>
         </p:nvSpPr>
         <p:spPr>
           <a:xfrm>
-            <a:off x="3259821" y="4748862"/>
-            <a:ext cx="2440547" cy="553998"/>
+            <a:off x="603938" y="3122582"/>
+            <a:ext cx="10571998" cy="647516"/>
           </a:xfrm>
           <a:prstGeom prst="rect">
             <a:avLst/>
           </a:prstGeom>
-          <a:noFill/>
         </p:spPr>
         <p:txBody>
-          <a:bodyPr wrap="square" rtlCol="0">
-            <a:spAutoFit/>
-          </a:bodyPr>
-          <a:lstStyle/>
+          <a:bodyPr/>
+          <a:lstStyle>
+            <a:lvl1pPr algn="l" defTabSz="457200" rtl="0" eaLnBrk="1" latinLnBrk="0" hangingPunct="1">
+              <a:spcBef>
+                <a:spcPct val="0"/>
+              </a:spcBef>
+              <a:buNone/>
+              <a:defRPr sz="4000" b="1" kern="1200">
+                <a:solidFill>
+                  <a:srgbClr val="FEFEFE"/>
+                </a:solidFill>
+                <a:latin typeface="+mj-lt"/>
+                <a:ea typeface="+mj-ea"/>
+                <a:cs typeface="+mj-cs"/>
+              </a:defRPr>
+            </a:lvl1pPr>
+            <a:lvl2pPr eaLnBrk="1" hangingPunct="1">
+              <a:defRPr>
+                <a:solidFill>
+                  <a:schemeClr val="tx2"/>
+                </a:solidFill>
+              </a:defRPr>
+            </a:lvl2pPr>
+            <a:lvl3pPr eaLnBrk="1" hangingPunct="1">
+              <a:defRPr>
+                <a:solidFill>
+                  <a:schemeClr val="tx2"/>
+                </a:solidFill>
+              </a:defRPr>
+            </a:lvl3pPr>
+            <a:lvl4pPr eaLnBrk="1" hangingPunct="1">
+              <a:defRPr>
+                <a:solidFill>
+                  <a:schemeClr val="tx2"/>
+                </a:solidFill>
+              </a:defRPr>
+            </a:lvl4pPr>
+            <a:lvl5pPr eaLnBrk="1" hangingPunct="1">
+              <a:defRPr>
+                <a:solidFill>
+                  <a:schemeClr val="tx2"/>
+                </a:solidFill>
+              </a:defRPr>
+            </a:lvl5pPr>
+            <a:lvl6pPr eaLnBrk="1" hangingPunct="1">
+              <a:defRPr>
+                <a:solidFill>
+                  <a:schemeClr val="tx2"/>
+                </a:solidFill>
+              </a:defRPr>
+            </a:lvl6pPr>
+            <a:lvl7pPr eaLnBrk="1" hangingPunct="1">
+              <a:defRPr>
+                <a:solidFill>
+                  <a:schemeClr val="tx2"/>
+                </a:solidFill>
+              </a:defRPr>
+            </a:lvl7pPr>
+            <a:lvl8pPr eaLnBrk="1" hangingPunct="1">
+              <a:defRPr>
+                <a:solidFill>
+                  <a:schemeClr val="tx2"/>
+                </a:solidFill>
+              </a:defRPr>
+            </a:lvl8pPr>
+            <a:lvl9pPr eaLnBrk="1" hangingPunct="1">
+              <a:defRPr>
+                <a:solidFill>
+                  <a:schemeClr val="tx2"/>
+                </a:solidFill>
+              </a:defRPr>
+            </a:lvl9pPr>
+          </a:lstStyle>
           <a:p>
             <a:pPr algn="ctr"/>
             <a:r>
-              <a:rPr lang="en-US" sz="1500" u="sng" dirty="0" smtClean="0"/>
-              <a:t>Precision</a:t>
-            </a:r>
-          </a:p>
-          <a:p>
-            <a:pPr algn="ctr"/>
-            <a:r>
-              <a:rPr lang="en-US" sz="1500" dirty="0" smtClean="0"/>
-              <a:t>92%</a:t>
-            </a:r>
-            <a:endParaRPr lang="en-US" sz="1500" dirty="0"/>
-          </a:p>
-        </p:txBody>
-      </p:sp>
-      <p:sp>
-        <p:nvSpPr>
-          <p:cNvPr id="39" name="TextBox 38"/>
-          <p:cNvSpPr txBox="1"/>
-          <p:nvPr/>
-        </p:nvSpPr>
-        <p:spPr>
-          <a:xfrm>
-            <a:off x="3259821" y="5366605"/>
-            <a:ext cx="2440547" cy="553998"/>
-          </a:xfrm>
-          <a:prstGeom prst="rect">
-            <a:avLst/>
-          </a:prstGeom>
-          <a:noFill/>
-        </p:spPr>
-        <p:txBody>
-          <a:bodyPr wrap="square" rtlCol="0">
-            <a:spAutoFit/>
-          </a:bodyPr>
-          <a:lstStyle/>
-          <a:p>
-            <a:pPr algn="ctr"/>
-            <a:r>
-              <a:rPr lang="en-US" sz="1500" u="sng" dirty="0" smtClean="0"/>
-              <a:t>Recall</a:t>
-            </a:r>
-          </a:p>
-          <a:p>
-            <a:pPr algn="ctr"/>
-            <a:r>
-              <a:rPr lang="en-US" sz="1500" dirty="0" smtClean="0"/>
-              <a:t>92%</a:t>
-            </a:r>
-            <a:endParaRPr lang="en-US" sz="1500" dirty="0"/>
-          </a:p>
-        </p:txBody>
-      </p:sp>
-      <p:sp>
-        <p:nvSpPr>
-          <p:cNvPr id="40" name="TextBox 39"/>
-          <p:cNvSpPr txBox="1"/>
-          <p:nvPr/>
-        </p:nvSpPr>
-        <p:spPr>
-          <a:xfrm>
-            <a:off x="3259821" y="5984348"/>
-            <a:ext cx="2440547" cy="553998"/>
-          </a:xfrm>
-          <a:prstGeom prst="rect">
-            <a:avLst/>
-          </a:prstGeom>
-          <a:noFill/>
-        </p:spPr>
-        <p:txBody>
-          <a:bodyPr wrap="square" rtlCol="0">
-            <a:spAutoFit/>
-          </a:bodyPr>
-          <a:lstStyle/>
-          <a:p>
-            <a:pPr algn="ctr"/>
-            <a:r>
-              <a:rPr lang="en-US" sz="1500" u="sng" dirty="0" smtClean="0"/>
-              <a:t>F1</a:t>
-            </a:r>
-          </a:p>
-          <a:p>
-            <a:pPr algn="ctr"/>
-            <a:r>
-              <a:rPr lang="en-US" sz="1500" dirty="0" smtClean="0"/>
-              <a:t>92%</a:t>
-            </a:r>
-            <a:endParaRPr lang="en-US" sz="1500" dirty="0"/>
-          </a:p>
-        </p:txBody>
-      </p:sp>
-      <p:sp>
-        <p:nvSpPr>
-          <p:cNvPr id="41" name="TextBox 40"/>
-          <p:cNvSpPr txBox="1"/>
-          <p:nvPr/>
-        </p:nvSpPr>
-        <p:spPr>
-          <a:xfrm>
-            <a:off x="8631921" y="4156519"/>
-            <a:ext cx="2440547" cy="553998"/>
-          </a:xfrm>
-          <a:prstGeom prst="rect">
-            <a:avLst/>
-          </a:prstGeom>
-          <a:noFill/>
-        </p:spPr>
-        <p:txBody>
-          <a:bodyPr wrap="square" rtlCol="0">
-            <a:spAutoFit/>
-          </a:bodyPr>
-          <a:lstStyle/>
-          <a:p>
-            <a:pPr algn="ctr"/>
-            <a:r>
-              <a:rPr lang="en-US" sz="1500" u="sng" dirty="0" smtClean="0"/>
-              <a:t>Accuracy</a:t>
-            </a:r>
-          </a:p>
-          <a:p>
-            <a:pPr algn="ctr"/>
-            <a:r>
-              <a:rPr lang="en-US" sz="1500" dirty="0" smtClean="0"/>
-              <a:t>94.2%</a:t>
-            </a:r>
-            <a:endParaRPr lang="en-US" sz="1500" dirty="0"/>
-          </a:p>
-        </p:txBody>
-      </p:sp>
-      <p:sp>
-        <p:nvSpPr>
-          <p:cNvPr id="42" name="TextBox 41"/>
-          <p:cNvSpPr txBox="1"/>
-          <p:nvPr/>
-        </p:nvSpPr>
-        <p:spPr>
-          <a:xfrm>
-            <a:off x="8631921" y="4748862"/>
-            <a:ext cx="2440547" cy="553998"/>
-          </a:xfrm>
-          <a:prstGeom prst="rect">
-            <a:avLst/>
-          </a:prstGeom>
-          <a:noFill/>
-        </p:spPr>
-        <p:txBody>
-          <a:bodyPr wrap="square" rtlCol="0">
-            <a:spAutoFit/>
-          </a:bodyPr>
-          <a:lstStyle/>
-          <a:p>
-            <a:pPr algn="ctr"/>
-            <a:r>
-              <a:rPr lang="en-US" sz="1500" u="sng" dirty="0" smtClean="0"/>
-              <a:t>Precision</a:t>
-            </a:r>
-          </a:p>
-          <a:p>
-            <a:pPr algn="ctr"/>
-            <a:r>
-              <a:rPr lang="en-US" sz="1500" dirty="0" smtClean="0"/>
-              <a:t>94%</a:t>
-            </a:r>
-            <a:endParaRPr lang="en-US" sz="1500" dirty="0"/>
-          </a:p>
-        </p:txBody>
-      </p:sp>
-      <p:sp>
-        <p:nvSpPr>
-          <p:cNvPr id="43" name="TextBox 42"/>
-          <p:cNvSpPr txBox="1"/>
-          <p:nvPr/>
-        </p:nvSpPr>
-        <p:spPr>
-          <a:xfrm>
-            <a:off x="8631921" y="5366605"/>
-            <a:ext cx="2440547" cy="553998"/>
-          </a:xfrm>
-          <a:prstGeom prst="rect">
-            <a:avLst/>
-          </a:prstGeom>
-          <a:noFill/>
-        </p:spPr>
-        <p:txBody>
-          <a:bodyPr wrap="square" rtlCol="0">
-            <a:spAutoFit/>
-          </a:bodyPr>
-          <a:lstStyle/>
-          <a:p>
-            <a:pPr algn="ctr"/>
-            <a:r>
-              <a:rPr lang="en-US" sz="1500" u="sng" dirty="0" smtClean="0"/>
-              <a:t>Recall</a:t>
-            </a:r>
-          </a:p>
-          <a:p>
-            <a:pPr algn="ctr"/>
-            <a:r>
-              <a:rPr lang="en-US" sz="1500" dirty="0" smtClean="0"/>
-              <a:t>94%</a:t>
-            </a:r>
-            <a:endParaRPr lang="en-US" sz="1500" dirty="0"/>
-          </a:p>
-        </p:txBody>
-      </p:sp>
-      <p:sp>
-        <p:nvSpPr>
-          <p:cNvPr id="44" name="TextBox 43"/>
-          <p:cNvSpPr txBox="1"/>
-          <p:nvPr/>
-        </p:nvSpPr>
-        <p:spPr>
-          <a:xfrm>
-            <a:off x="8631921" y="5984348"/>
-            <a:ext cx="2440547" cy="553998"/>
-          </a:xfrm>
-          <a:prstGeom prst="rect">
-            <a:avLst/>
-          </a:prstGeom>
-          <a:noFill/>
-        </p:spPr>
-        <p:txBody>
-          <a:bodyPr wrap="square" rtlCol="0">
-            <a:spAutoFit/>
-          </a:bodyPr>
-          <a:lstStyle/>
-          <a:p>
-            <a:pPr algn="ctr"/>
-            <a:r>
-              <a:rPr lang="en-US" sz="1500" u="sng" dirty="0" smtClean="0"/>
-              <a:t>F1</a:t>
-            </a:r>
-          </a:p>
-          <a:p>
-            <a:pPr algn="ctr"/>
-            <a:r>
-              <a:rPr lang="en-US" sz="1500" dirty="0" smtClean="0"/>
-              <a:t>94%</a:t>
-            </a:r>
-            <a:endParaRPr lang="en-US" sz="1500" dirty="0"/>
+              <a:rPr lang="en-US" sz="2500" dirty="0" smtClean="0"/>
+              <a:t>Results So Far</a:t>
+            </a:r>
+            <a:endParaRPr lang="en-US" sz="2500" dirty="0"/>
           </a:p>
         </p:txBody>
       </p:sp>
@@ -23800,18 +20356,11 @@
           <a:p>
             <a:r>
               <a:rPr lang="en-US" sz="1700" b="1" dirty="0" smtClean="0"/>
-              <a:t>Model for more medical document classes</a:t>
-            </a:r>
-          </a:p>
-          <a:p>
-            <a:r>
-              <a:rPr lang="en-US" sz="1700" b="1" dirty="0" err="1" smtClean="0"/>
-              <a:t>Tensorflow</a:t>
-            </a:r>
-            <a:r>
-              <a:rPr lang="en-US" sz="1700" b="1" dirty="0" smtClean="0"/>
-              <a:t>:</a:t>
-            </a:r>
+              <a:t>Model with more documents and for more medical document classes</a:t>
+            </a:r>
+          </a:p>
+          <a:p>
+            <a:endParaRPr lang="en-US" sz="1700" b="1" dirty="0" smtClean="0"/>
           </a:p>
           <a:p>
             <a:r>
@@ -23838,6 +20387,9 @@
               <a:rPr lang="en-US" sz="1600" dirty="0"/>
               <a:t>implement image classification using Convolutional Neural Networks with the document page inputs as images instead of text from pdfs.</a:t>
             </a:r>
+            <a:endParaRPr lang="en-US" sz="1700" b="1" dirty="0" smtClean="0"/>
+          </a:p>
+          <a:p>
             <a:endParaRPr lang="en-US" sz="1700" b="1" dirty="0" smtClean="0"/>
           </a:p>
           <a:p>
@@ -23893,6 +20445,179 @@
     <p:extLst>
       <p:ext uri="{BB962C8B-B14F-4D97-AF65-F5344CB8AC3E}">
         <p14:creationId xmlns:p14="http://schemas.microsoft.com/office/powerpoint/2010/main" val="1939190009"/>
+      </p:ext>
+    </p:extLst>
+  </p:cSld>
+  <p:clrMapOvr>
+    <a:masterClrMapping/>
+  </p:clrMapOvr>
+  <p:timing>
+    <p:tnLst>
+      <p:par>
+        <p:cTn id="1" dur="indefinite" restart="never" nodeType="tmRoot"/>
+      </p:par>
+    </p:tnLst>
+  </p:timing>
+</p:sld>
+</file>
+
+<file path=ppt/slides/slide9.xml><?xml version="1.0" encoding="utf-8"?>
+<p:sld xmlns:a="http://schemas.openxmlformats.org/drawingml/2006/main" xmlns:r="http://schemas.openxmlformats.org/officeDocument/2006/relationships" xmlns:p="http://schemas.openxmlformats.org/presentationml/2006/main">
+  <p:cSld>
+    <p:spTree>
+      <p:nvGrpSpPr>
+        <p:cNvPr id="1" name=""/>
+        <p:cNvGrpSpPr/>
+        <p:nvPr/>
+      </p:nvGrpSpPr>
+      <p:grpSpPr>
+        <a:xfrm>
+          <a:off x="0" y="0"/>
+          <a:ext cx="0" cy="0"/>
+          <a:chOff x="0" y="0"/>
+          <a:chExt cx="0" cy="0"/>
+        </a:xfrm>
+      </p:grpSpPr>
+      <p:sp>
+        <p:nvSpPr>
+          <p:cNvPr id="2" name="Title 1"/>
+          <p:cNvSpPr>
+            <a:spLocks noGrp="1"/>
+          </p:cNvSpPr>
+          <p:nvPr>
+            <p:ph type="title"/>
+          </p:nvPr>
+        </p:nvSpPr>
+        <p:spPr/>
+        <p:txBody>
+          <a:bodyPr/>
+          <a:lstStyle/>
+          <a:p>
+            <a:r>
+              <a:rPr lang="en-US" dirty="0" smtClean="0"/>
+              <a:t>References</a:t>
+            </a:r>
+            <a:endParaRPr lang="en-US" dirty="0"/>
+          </a:p>
+        </p:txBody>
+      </p:sp>
+      <p:sp>
+        <p:nvSpPr>
+          <p:cNvPr id="3" name="Content Placeholder 2"/>
+          <p:cNvSpPr>
+            <a:spLocks noGrp="1"/>
+          </p:cNvSpPr>
+          <p:nvPr>
+            <p:ph idx="1"/>
+          </p:nvPr>
+        </p:nvSpPr>
+        <p:spPr>
+          <a:xfrm>
+            <a:off x="347729" y="2222287"/>
+            <a:ext cx="11294771" cy="4126998"/>
+          </a:xfrm>
+        </p:spPr>
+        <p:txBody>
+          <a:bodyPr>
+            <a:normAutofit/>
+          </a:bodyPr>
+          <a:lstStyle/>
+          <a:p>
+            <a:r>
+              <a:rPr lang="en-US" sz="1700" dirty="0">
+                <a:hlinkClick r:id="rId2"/>
+              </a:rPr>
+              <a:t>http://</a:t>
+            </a:r>
+            <a:r>
+              <a:rPr lang="en-US" sz="1700" dirty="0" smtClean="0">
+                <a:hlinkClick r:id="rId2"/>
+              </a:rPr>
+              <a:t>scikit-learn.org/stable/tutorial/text_analytics/working_with_text_data.html</a:t>
+            </a:r>
+            <a:r>
+              <a:rPr lang="en-US" sz="1700" dirty="0" smtClean="0"/>
+              <a:t> </a:t>
+            </a:r>
+          </a:p>
+          <a:p>
+            <a:r>
+              <a:rPr lang="en-US" sz="1700" dirty="0">
+                <a:hlinkClick r:id="rId3"/>
+              </a:rPr>
+              <a:t>https://</a:t>
+            </a:r>
+            <a:r>
+              <a:rPr lang="en-US" sz="1700" dirty="0" smtClean="0">
+                <a:hlinkClick r:id="rId3"/>
+              </a:rPr>
+              <a:t>www.cs.cornell.edu/people/tj/publications/joachims_98a.pdf</a:t>
+            </a:r>
+            <a:r>
+              <a:rPr lang="en-US" sz="1700" dirty="0" smtClean="0"/>
+              <a:t> </a:t>
+            </a:r>
+          </a:p>
+          <a:p>
+            <a:r>
+              <a:rPr lang="en-US" sz="1700" dirty="0">
+                <a:hlinkClick r:id="rId4"/>
+              </a:rPr>
+              <a:t>http://</a:t>
+            </a:r>
+            <a:r>
+              <a:rPr lang="en-US" sz="1700" dirty="0" smtClean="0">
+                <a:hlinkClick r:id="rId4"/>
+              </a:rPr>
+              <a:t>www.iajet.org/iajet_files/vol.2/no.4/Medical%20Documents%20Classification%20Based%20on%20the%20Domain%20Ontology%20MeSH.pdf</a:t>
+            </a:r>
+            <a:r>
+              <a:rPr lang="en-US" sz="1700" dirty="0" smtClean="0"/>
+              <a:t> </a:t>
+            </a:r>
+          </a:p>
+          <a:p>
+            <a:r>
+              <a:rPr lang="en-US" sz="1700" dirty="0">
+                <a:hlinkClick r:id="rId5"/>
+              </a:rPr>
+              <a:t>https://</a:t>
+            </a:r>
+            <a:r>
+              <a:rPr lang="en-US" sz="1700" dirty="0" smtClean="0">
+                <a:hlinkClick r:id="rId5"/>
+              </a:rPr>
+              <a:t>github.com/tensorflow/tensorflow/tree/master/tensorflow/examples/learn#text-classification</a:t>
+            </a:r>
+            <a:r>
+              <a:rPr lang="en-US" sz="1700" dirty="0" smtClean="0"/>
+              <a:t> </a:t>
+            </a:r>
+          </a:p>
+          <a:p>
+            <a:r>
+              <a:rPr lang="en-US" sz="1700" dirty="0">
+                <a:hlinkClick r:id="rId6"/>
+              </a:rPr>
+              <a:t>https://</a:t>
+            </a:r>
+            <a:r>
+              <a:rPr lang="en-US" sz="1700" dirty="0" smtClean="0">
+                <a:hlinkClick r:id="rId6"/>
+              </a:rPr>
+              <a:t>github.com/tensorflow/tensorflow/blob/master/tensorflow/examples/learn/text_classification_cnn.py</a:t>
+            </a:r>
+            <a:r>
+              <a:rPr lang="en-US" sz="1700" dirty="0" smtClean="0"/>
+              <a:t> </a:t>
+            </a:r>
+          </a:p>
+        </p:txBody>
+      </p:sp>
+    </p:spTree>
+    <p:extLst>
+      <p:ext uri="{BB962C8B-B14F-4D97-AF65-F5344CB8AC3E}">
+        <p14:creationId xmlns:p14="http://schemas.microsoft.com/office/powerpoint/2010/main" val="3832689676"/>
       </p:ext>
     </p:extLst>
   </p:cSld>
